--- a/OCRL_Presentation.pptx
+++ b/OCRL_Presentation.pptx
@@ -2,12 +2,12 @@
 <file path=ppt/presentation.xml><?xml version="1.0" encoding="utf-8"?>
 <p:presentation xmlns:a="http://schemas.openxmlformats.org/drawingml/2006/main" xmlns:r="http://schemas.openxmlformats.org/officeDocument/2006/relationships" xmlns:p="http://schemas.openxmlformats.org/presentationml/2006/main" saveSubsetFonts="1">
   <p:sldMasterIdLst>
-    <p:sldMasterId id="2147483672" r:id="rId1"/>
+    <p:sldMasterId id="2147483684" r:id="rId1"/>
   </p:sldMasterIdLst>
   <p:sldIdLst>
     <p:sldId id="256" r:id="rId2"/>
   </p:sldIdLst>
-  <p:sldSz cx="36576000" cy="29260800"/>
+  <p:sldSz cx="45720000" cy="38404800"/>
   <p:notesSz cx="6858000" cy="9144000"/>
   <p:defaultTextStyle>
     <a:defPPr>
@@ -107,12 +107,12 @@
   <p:extLst>
     <p:ext uri="{EFAFB233-063F-42B5-8137-9DF3F51BA10A}">
       <p15:sldGuideLst xmlns:p15="http://schemas.microsoft.com/office/powerpoint/2012/main">
-        <p15:guide id="1" orient="horz" pos="18432" userDrawn="1">
+        <p15:guide id="1" orient="horz" pos="24192" userDrawn="1">
           <p15:clr>
             <a:srgbClr val="A4A3A4"/>
           </p15:clr>
         </p15:guide>
-        <p15:guide id="2" pos="11520" userDrawn="1">
+        <p15:guide id="2" pos="14400" userDrawn="1">
           <p15:clr>
             <a:srgbClr val="A4A3A4"/>
           </p15:clr>
@@ -122,57 +122,62 @@
             <a:srgbClr val="A4A3A4"/>
           </p15:clr>
         </p15:guide>
-        <p15:guide id="4" pos="22752" userDrawn="1">
+        <p15:guide id="4" pos="28512" userDrawn="1">
           <p15:clr>
             <a:srgbClr val="A4A3A4"/>
           </p15:clr>
         </p15:guide>
-        <p15:guide id="5" orient="horz" pos="2880" userDrawn="1">
+        <p15:guide id="5" orient="horz" pos="3780" userDrawn="1">
           <p15:clr>
             <a:srgbClr val="A4A3A4"/>
           </p15:clr>
         </p15:guide>
-        <p15:guide id="6" orient="horz" pos="10944" userDrawn="1">
+        <p15:guide id="6" orient="horz" pos="22536" userDrawn="1">
           <p15:clr>
             <a:srgbClr val="A4A3A4"/>
           </p15:clr>
         </p15:guide>
-        <p15:guide id="7" orient="horz" pos="18144" userDrawn="1">
+        <p15:guide id="7" orient="horz" pos="23904" userDrawn="1">
           <p15:clr>
             <a:srgbClr val="A4A3A4"/>
           </p15:clr>
         </p15:guide>
-        <p15:guide id="8" orient="horz" pos="3168" userDrawn="1">
+        <p15:guide id="8" orient="horz" pos="4158" userDrawn="1">
           <p15:clr>
             <a:srgbClr val="A4A3A4"/>
           </p15:clr>
         </p15:guide>
-        <p15:guide id="9" pos="7776" userDrawn="1">
+        <p15:guide id="9" pos="9720" userDrawn="1">
           <p15:clr>
             <a:srgbClr val="A4A3A4"/>
           </p15:clr>
         </p15:guide>
-        <p15:guide id="10" pos="15264" userDrawn="1">
+        <p15:guide id="10" pos="19080" userDrawn="1">
           <p15:clr>
             <a:srgbClr val="A4A3A4"/>
           </p15:clr>
         </p15:guide>
-        <p15:guide id="11" pos="7632" userDrawn="1">
+        <p15:guide id="11" pos="9540" userDrawn="1">
           <p15:clr>
             <a:srgbClr val="A4A3A4"/>
           </p15:clr>
         </p15:guide>
-        <p15:guide id="12" pos="7920" userDrawn="1">
+        <p15:guide id="12" pos="9900" userDrawn="1">
           <p15:clr>
             <a:srgbClr val="A4A3A4"/>
           </p15:clr>
         </p15:guide>
-        <p15:guide id="13" pos="15120" userDrawn="1">
+        <p15:guide id="13" pos="18900" userDrawn="1">
           <p15:clr>
             <a:srgbClr val="A4A3A4"/>
           </p15:clr>
         </p15:guide>
-        <p15:guide id="14" pos="15408" userDrawn="1">
+        <p15:guide id="14" pos="19260" userDrawn="1">
+          <p15:clr>
+            <a:srgbClr val="A4A3A4"/>
+          </p15:clr>
+        </p15:guide>
+        <p15:guide id="15" orient="horz" pos="288" userDrawn="1">
           <p15:clr>
             <a:srgbClr val="A4A3A4"/>
           </p15:clr>
@@ -181,6 +186,14 @@
     </p:ext>
   </p:extLst>
 </p:presentation>
+</file>
+
+<file path=ppt/revisionInfo.xml><?xml version="1.0" encoding="utf-8"?>
+<p1510:revInfo xmlns:a="http://schemas.openxmlformats.org/drawingml/2006/main" xmlns:r="http://schemas.openxmlformats.org/officeDocument/2006/relationships" xmlns:p1510="http://schemas.microsoft.com/office/powerpoint/2015/10/main">
+  <p1510:revLst>
+    <p1510:client id="{420A9229-3534-444F-947E-7D1E8FA78446}" v="1" dt="2024-04-20T14:20:42.069"/>
+  </p1510:revLst>
+</p1510:revInfo>
 </file>
 
 <file path=ppt/slideLayouts/slideLayout1.xml><?xml version="1.0" encoding="utf-8"?>
@@ -212,15 +225,15 @@
         </p:nvSpPr>
         <p:spPr>
           <a:xfrm>
-            <a:off x="2743200" y="4788749"/>
-            <a:ext cx="31089600" cy="10187093"/>
+            <a:off x="3429000" y="6285233"/>
+            <a:ext cx="38862000" cy="13370560"/>
           </a:xfrm>
         </p:spPr>
         <p:txBody>
           <a:bodyPr anchor="b"/>
           <a:lstStyle>
             <a:lvl1pPr algn="ctr">
-              <a:defRPr sz="24000"/>
+              <a:defRPr sz="30000"/>
             </a:lvl1pPr>
           </a:lstStyle>
           <a:p>
@@ -244,8 +257,8 @@
         </p:nvSpPr>
         <p:spPr>
           <a:xfrm>
-            <a:off x="4572000" y="15368695"/>
-            <a:ext cx="27432000" cy="7064585"/>
+            <a:off x="5715000" y="20171413"/>
+            <a:ext cx="34290000" cy="9272267"/>
           </a:xfrm>
         </p:spPr>
         <p:txBody>
@@ -253,39 +266,39 @@
           <a:lstStyle>
             <a:lvl1pPr marL="0" indent="0" algn="ctr">
               <a:buNone/>
-              <a:defRPr sz="9600"/>
+              <a:defRPr sz="12000"/>
             </a:lvl1pPr>
-            <a:lvl2pPr marL="1828800" indent="0" algn="ctr">
+            <a:lvl2pPr marL="2286000" indent="0" algn="ctr">
+              <a:buNone/>
+              <a:defRPr sz="10000"/>
+            </a:lvl2pPr>
+            <a:lvl3pPr marL="4572000" indent="0" algn="ctr">
+              <a:buNone/>
+              <a:defRPr sz="9000"/>
+            </a:lvl3pPr>
+            <a:lvl4pPr marL="6858000" indent="0" algn="ctr">
               <a:buNone/>
               <a:defRPr sz="8000"/>
-            </a:lvl2pPr>
-            <a:lvl3pPr marL="3657600" indent="0" algn="ctr">
-              <a:buNone/>
-              <a:defRPr sz="7200"/>
-            </a:lvl3pPr>
-            <a:lvl4pPr marL="5486400" indent="0" algn="ctr">
-              <a:buNone/>
-              <a:defRPr sz="6400"/>
             </a:lvl4pPr>
-            <a:lvl5pPr marL="7315200" indent="0" algn="ctr">
-              <a:buNone/>
-              <a:defRPr sz="6400"/>
+            <a:lvl5pPr marL="9144000" indent="0" algn="ctr">
+              <a:buNone/>
+              <a:defRPr sz="8000"/>
             </a:lvl5pPr>
-            <a:lvl6pPr marL="9144000" indent="0" algn="ctr">
-              <a:buNone/>
-              <a:defRPr sz="6400"/>
+            <a:lvl6pPr marL="11430000" indent="0" algn="ctr">
+              <a:buNone/>
+              <a:defRPr sz="8000"/>
             </a:lvl6pPr>
-            <a:lvl7pPr marL="10972800" indent="0" algn="ctr">
-              <a:buNone/>
-              <a:defRPr sz="6400"/>
+            <a:lvl7pPr marL="13716000" indent="0" algn="ctr">
+              <a:buNone/>
+              <a:defRPr sz="8000"/>
             </a:lvl7pPr>
-            <a:lvl8pPr marL="12801600" indent="0" algn="ctr">
-              <a:buNone/>
-              <a:defRPr sz="6400"/>
+            <a:lvl8pPr marL="16002000" indent="0" algn="ctr">
+              <a:buNone/>
+              <a:defRPr sz="8000"/>
             </a:lvl8pPr>
-            <a:lvl9pPr marL="14630400" indent="0" algn="ctr">
-              <a:buNone/>
-              <a:defRPr sz="6400"/>
+            <a:lvl9pPr marL="18288000" indent="0" algn="ctr">
+              <a:buNone/>
+              <a:defRPr sz="8000"/>
             </a:lvl9pPr>
           </a:lstStyle>
           <a:p>
@@ -314,7 +327,7 @@
           <a:p>
             <a:fld id="{163E7BB8-35E6-4599-BD59-179E19EE3B17}" type="datetimeFigureOut">
               <a:rPr lang="en-US" smtClean="0"/>
-              <a:t>4/16/24</a:t>
+              <a:t>4/20/24</a:t>
             </a:fld>
             <a:endParaRPr lang="en-US"/>
           </a:p>
@@ -365,7 +378,7 @@
     </p:spTree>
     <p:extLst>
       <p:ext uri="{BB962C8B-B14F-4D97-AF65-F5344CB8AC3E}">
-        <p14:creationId xmlns:p14="http://schemas.microsoft.com/office/powerpoint/2010/main" val="4133131322"/>
+        <p14:creationId xmlns:p14="http://schemas.microsoft.com/office/powerpoint/2010/main" val="932183430"/>
       </p:ext>
     </p:extLst>
   </p:cSld>
@@ -484,7 +497,7 @@
           <a:p>
             <a:fld id="{163E7BB8-35E6-4599-BD59-179E19EE3B17}" type="datetimeFigureOut">
               <a:rPr lang="en-US" smtClean="0"/>
-              <a:t>4/16/24</a:t>
+              <a:t>4/20/24</a:t>
             </a:fld>
             <a:endParaRPr lang="en-US"/>
           </a:p>
@@ -535,7 +548,7 @@
     </p:spTree>
     <p:extLst>
       <p:ext uri="{BB962C8B-B14F-4D97-AF65-F5344CB8AC3E}">
-        <p14:creationId xmlns:p14="http://schemas.microsoft.com/office/powerpoint/2010/main" val="4121327438"/>
+        <p14:creationId xmlns:p14="http://schemas.microsoft.com/office/powerpoint/2010/main" val="1470840377"/>
       </p:ext>
     </p:extLst>
   </p:cSld>
@@ -574,8 +587,8 @@
         </p:nvSpPr>
         <p:spPr>
           <a:xfrm>
-            <a:off x="26174702" y="1557867"/>
-            <a:ext cx="7886700" cy="24797175"/>
+            <a:off x="32718378" y="2044700"/>
+            <a:ext cx="9858375" cy="32546293"/>
           </a:xfrm>
         </p:spPr>
         <p:txBody>
@@ -602,8 +615,8 @@
         </p:nvSpPr>
         <p:spPr>
           <a:xfrm>
-            <a:off x="2514602" y="1557867"/>
-            <a:ext cx="23202900" cy="24797175"/>
+            <a:off x="3143253" y="2044700"/>
+            <a:ext cx="29003625" cy="32546293"/>
           </a:xfrm>
         </p:spPr>
         <p:txBody>
@@ -664,7 +677,7 @@
           <a:p>
             <a:fld id="{163E7BB8-35E6-4599-BD59-179E19EE3B17}" type="datetimeFigureOut">
               <a:rPr lang="en-US" smtClean="0"/>
-              <a:t>4/16/24</a:t>
+              <a:t>4/20/24</a:t>
             </a:fld>
             <a:endParaRPr lang="en-US"/>
           </a:p>
@@ -715,7 +728,7 @@
     </p:spTree>
     <p:extLst>
       <p:ext uri="{BB962C8B-B14F-4D97-AF65-F5344CB8AC3E}">
-        <p14:creationId xmlns:p14="http://schemas.microsoft.com/office/powerpoint/2010/main" val="3883000868"/>
+        <p14:creationId xmlns:p14="http://schemas.microsoft.com/office/powerpoint/2010/main" val="933399453"/>
       </p:ext>
     </p:extLst>
   </p:cSld>
@@ -834,7 +847,7 @@
           <a:p>
             <a:fld id="{163E7BB8-35E6-4599-BD59-179E19EE3B17}" type="datetimeFigureOut">
               <a:rPr lang="en-US" smtClean="0"/>
-              <a:t>4/16/24</a:t>
+              <a:t>4/20/24</a:t>
             </a:fld>
             <a:endParaRPr lang="en-US"/>
           </a:p>
@@ -885,7 +898,7 @@
     </p:spTree>
     <p:extLst>
       <p:ext uri="{BB962C8B-B14F-4D97-AF65-F5344CB8AC3E}">
-        <p14:creationId xmlns:p14="http://schemas.microsoft.com/office/powerpoint/2010/main" val="3697450274"/>
+        <p14:creationId xmlns:p14="http://schemas.microsoft.com/office/powerpoint/2010/main" val="3800744533"/>
       </p:ext>
     </p:extLst>
   </p:cSld>
@@ -924,15 +937,15 @@
         </p:nvSpPr>
         <p:spPr>
           <a:xfrm>
-            <a:off x="2495552" y="7294888"/>
-            <a:ext cx="31546800" cy="12171678"/>
+            <a:off x="3119440" y="9574541"/>
+            <a:ext cx="39433500" cy="15975327"/>
           </a:xfrm>
         </p:spPr>
         <p:txBody>
           <a:bodyPr anchor="b"/>
           <a:lstStyle>
             <a:lvl1pPr>
-              <a:defRPr sz="24000"/>
+              <a:defRPr sz="30000"/>
             </a:lvl1pPr>
           </a:lstStyle>
           <a:p>
@@ -956,8 +969,8 @@
         </p:nvSpPr>
         <p:spPr>
           <a:xfrm>
-            <a:off x="2495552" y="19581715"/>
-            <a:ext cx="31546800" cy="6400798"/>
+            <a:off x="3119440" y="25701001"/>
+            <a:ext cx="39433500" cy="8401047"/>
           </a:xfrm>
         </p:spPr>
         <p:txBody>
@@ -965,7 +978,7 @@
           <a:lstStyle>
             <a:lvl1pPr marL="0" indent="0">
               <a:buNone/>
-              <a:defRPr sz="9600">
+              <a:defRPr sz="12000">
                 <a:solidFill>
                   <a:schemeClr val="tx1">
                     <a:tint val="82000"/>
@@ -973,7 +986,27 @@
                 </a:solidFill>
               </a:defRPr>
             </a:lvl1pPr>
-            <a:lvl2pPr marL="1828800" indent="0">
+            <a:lvl2pPr marL="2286000" indent="0">
+              <a:buNone/>
+              <a:defRPr sz="10000">
+                <a:solidFill>
+                  <a:schemeClr val="tx1">
+                    <a:tint val="82000"/>
+                  </a:schemeClr>
+                </a:solidFill>
+              </a:defRPr>
+            </a:lvl2pPr>
+            <a:lvl3pPr marL="4572000" indent="0">
+              <a:buNone/>
+              <a:defRPr sz="9000">
+                <a:solidFill>
+                  <a:schemeClr val="tx1">
+                    <a:tint val="82000"/>
+                  </a:schemeClr>
+                </a:solidFill>
+              </a:defRPr>
+            </a:lvl3pPr>
+            <a:lvl4pPr marL="6858000" indent="0">
               <a:buNone/>
               <a:defRPr sz="8000">
                 <a:solidFill>
@@ -982,30 +1015,10 @@
                   </a:schemeClr>
                 </a:solidFill>
               </a:defRPr>
-            </a:lvl2pPr>
-            <a:lvl3pPr marL="3657600" indent="0">
-              <a:buNone/>
-              <a:defRPr sz="7200">
-                <a:solidFill>
-                  <a:schemeClr val="tx1">
-                    <a:tint val="82000"/>
-                  </a:schemeClr>
-                </a:solidFill>
-              </a:defRPr>
-            </a:lvl3pPr>
-            <a:lvl4pPr marL="5486400" indent="0">
-              <a:buNone/>
-              <a:defRPr sz="6400">
-                <a:solidFill>
-                  <a:schemeClr val="tx1">
-                    <a:tint val="82000"/>
-                  </a:schemeClr>
-                </a:solidFill>
-              </a:defRPr>
             </a:lvl4pPr>
-            <a:lvl5pPr marL="7315200" indent="0">
-              <a:buNone/>
-              <a:defRPr sz="6400">
+            <a:lvl5pPr marL="9144000" indent="0">
+              <a:buNone/>
+              <a:defRPr sz="8000">
                 <a:solidFill>
                   <a:schemeClr val="tx1">
                     <a:tint val="82000"/>
@@ -1013,9 +1026,9 @@
                 </a:solidFill>
               </a:defRPr>
             </a:lvl5pPr>
-            <a:lvl6pPr marL="9144000" indent="0">
-              <a:buNone/>
-              <a:defRPr sz="6400">
+            <a:lvl6pPr marL="11430000" indent="0">
+              <a:buNone/>
+              <a:defRPr sz="8000">
                 <a:solidFill>
                   <a:schemeClr val="tx1">
                     <a:tint val="82000"/>
@@ -1023,9 +1036,9 @@
                 </a:solidFill>
               </a:defRPr>
             </a:lvl6pPr>
-            <a:lvl7pPr marL="10972800" indent="0">
-              <a:buNone/>
-              <a:defRPr sz="6400">
+            <a:lvl7pPr marL="13716000" indent="0">
+              <a:buNone/>
+              <a:defRPr sz="8000">
                 <a:solidFill>
                   <a:schemeClr val="tx1">
                     <a:tint val="82000"/>
@@ -1033,9 +1046,9 @@
                 </a:solidFill>
               </a:defRPr>
             </a:lvl7pPr>
-            <a:lvl8pPr marL="12801600" indent="0">
-              <a:buNone/>
-              <a:defRPr sz="6400">
+            <a:lvl8pPr marL="16002000" indent="0">
+              <a:buNone/>
+              <a:defRPr sz="8000">
                 <a:solidFill>
                   <a:schemeClr val="tx1">
                     <a:tint val="82000"/>
@@ -1043,9 +1056,9 @@
                 </a:solidFill>
               </a:defRPr>
             </a:lvl8pPr>
-            <a:lvl9pPr marL="14630400" indent="0">
-              <a:buNone/>
-              <a:defRPr sz="6400">
+            <a:lvl9pPr marL="18288000" indent="0">
+              <a:buNone/>
+              <a:defRPr sz="8000">
                 <a:solidFill>
                   <a:schemeClr val="tx1">
                     <a:tint val="82000"/>
@@ -1080,7 +1093,7 @@
           <a:p>
             <a:fld id="{163E7BB8-35E6-4599-BD59-179E19EE3B17}" type="datetimeFigureOut">
               <a:rPr lang="en-US" smtClean="0"/>
-              <a:t>4/16/24</a:t>
+              <a:t>4/20/24</a:t>
             </a:fld>
             <a:endParaRPr lang="en-US"/>
           </a:p>
@@ -1131,7 +1144,7 @@
     </p:spTree>
     <p:extLst>
       <p:ext uri="{BB962C8B-B14F-4D97-AF65-F5344CB8AC3E}">
-        <p14:creationId xmlns:p14="http://schemas.microsoft.com/office/powerpoint/2010/main" val="619624684"/>
+        <p14:creationId xmlns:p14="http://schemas.microsoft.com/office/powerpoint/2010/main" val="3953745523"/>
       </p:ext>
     </p:extLst>
   </p:cSld>
@@ -1193,8 +1206,8 @@
         </p:nvSpPr>
         <p:spPr>
           <a:xfrm>
-            <a:off x="2514600" y="7789333"/>
-            <a:ext cx="15544800" cy="18565709"/>
+            <a:off x="3143250" y="10223500"/>
+            <a:ext cx="19431000" cy="24367493"/>
           </a:xfrm>
         </p:spPr>
         <p:txBody>
@@ -1250,8 +1263,8 @@
         </p:nvSpPr>
         <p:spPr>
           <a:xfrm>
-            <a:off x="18516600" y="7789333"/>
-            <a:ext cx="15544800" cy="18565709"/>
+            <a:off x="23145750" y="10223500"/>
+            <a:ext cx="19431000" cy="24367493"/>
           </a:xfrm>
         </p:spPr>
         <p:txBody>
@@ -1312,7 +1325,7 @@
           <a:p>
             <a:fld id="{163E7BB8-35E6-4599-BD59-179E19EE3B17}" type="datetimeFigureOut">
               <a:rPr lang="en-US" smtClean="0"/>
-              <a:t>4/16/24</a:t>
+              <a:t>4/20/24</a:t>
             </a:fld>
             <a:endParaRPr lang="en-US"/>
           </a:p>
@@ -1363,7 +1376,7 @@
     </p:spTree>
     <p:extLst>
       <p:ext uri="{BB962C8B-B14F-4D97-AF65-F5344CB8AC3E}">
-        <p14:creationId xmlns:p14="http://schemas.microsoft.com/office/powerpoint/2010/main" val="868907107"/>
+        <p14:creationId xmlns:p14="http://schemas.microsoft.com/office/powerpoint/2010/main" val="4188449515"/>
       </p:ext>
     </p:extLst>
   </p:cSld>
@@ -1402,8 +1415,8 @@
         </p:nvSpPr>
         <p:spPr>
           <a:xfrm>
-            <a:off x="2519364" y="1557873"/>
-            <a:ext cx="31546800" cy="5655735"/>
+            <a:off x="3149205" y="2044708"/>
+            <a:ext cx="39433500" cy="7423153"/>
           </a:xfrm>
         </p:spPr>
         <p:txBody>
@@ -1430,8 +1443,8 @@
         </p:nvSpPr>
         <p:spPr>
           <a:xfrm>
-            <a:off x="2519368" y="7172962"/>
-            <a:ext cx="15473360" cy="3515358"/>
+            <a:off x="3149210" y="9414513"/>
+            <a:ext cx="19341700" cy="4613907"/>
           </a:xfrm>
         </p:spPr>
         <p:txBody>
@@ -1439,39 +1452,39 @@
           <a:lstStyle>
             <a:lvl1pPr marL="0" indent="0">
               <a:buNone/>
-              <a:defRPr sz="9600" b="1"/>
+              <a:defRPr sz="12000" b="1"/>
             </a:lvl1pPr>
-            <a:lvl2pPr marL="1828800" indent="0">
+            <a:lvl2pPr marL="2286000" indent="0">
+              <a:buNone/>
+              <a:defRPr sz="10000" b="1"/>
+            </a:lvl2pPr>
+            <a:lvl3pPr marL="4572000" indent="0">
+              <a:buNone/>
+              <a:defRPr sz="9000" b="1"/>
+            </a:lvl3pPr>
+            <a:lvl4pPr marL="6858000" indent="0">
               <a:buNone/>
               <a:defRPr sz="8000" b="1"/>
-            </a:lvl2pPr>
-            <a:lvl3pPr marL="3657600" indent="0">
-              <a:buNone/>
-              <a:defRPr sz="7200" b="1"/>
-            </a:lvl3pPr>
-            <a:lvl4pPr marL="5486400" indent="0">
-              <a:buNone/>
-              <a:defRPr sz="6400" b="1"/>
             </a:lvl4pPr>
-            <a:lvl5pPr marL="7315200" indent="0">
-              <a:buNone/>
-              <a:defRPr sz="6400" b="1"/>
+            <a:lvl5pPr marL="9144000" indent="0">
+              <a:buNone/>
+              <a:defRPr sz="8000" b="1"/>
             </a:lvl5pPr>
-            <a:lvl6pPr marL="9144000" indent="0">
-              <a:buNone/>
-              <a:defRPr sz="6400" b="1"/>
+            <a:lvl6pPr marL="11430000" indent="0">
+              <a:buNone/>
+              <a:defRPr sz="8000" b="1"/>
             </a:lvl6pPr>
-            <a:lvl7pPr marL="10972800" indent="0">
-              <a:buNone/>
-              <a:defRPr sz="6400" b="1"/>
+            <a:lvl7pPr marL="13716000" indent="0">
+              <a:buNone/>
+              <a:defRPr sz="8000" b="1"/>
             </a:lvl7pPr>
-            <a:lvl8pPr marL="12801600" indent="0">
-              <a:buNone/>
-              <a:defRPr sz="6400" b="1"/>
+            <a:lvl8pPr marL="16002000" indent="0">
+              <a:buNone/>
+              <a:defRPr sz="8000" b="1"/>
             </a:lvl8pPr>
-            <a:lvl9pPr marL="14630400" indent="0">
-              <a:buNone/>
-              <a:defRPr sz="6400" b="1"/>
+            <a:lvl9pPr marL="18288000" indent="0">
+              <a:buNone/>
+              <a:defRPr sz="8000" b="1"/>
             </a:lvl9pPr>
           </a:lstStyle>
           <a:p>
@@ -1495,8 +1508,8 @@
         </p:nvSpPr>
         <p:spPr>
           <a:xfrm>
-            <a:off x="2519368" y="10688320"/>
-            <a:ext cx="15473360" cy="15720909"/>
+            <a:off x="3149210" y="14028420"/>
+            <a:ext cx="19341700" cy="20633693"/>
           </a:xfrm>
         </p:spPr>
         <p:txBody>
@@ -1552,8 +1565,8 @@
         </p:nvSpPr>
         <p:spPr>
           <a:xfrm>
-            <a:off x="18516602" y="7172962"/>
-            <a:ext cx="15549564" cy="3515358"/>
+            <a:off x="23145752" y="9414513"/>
+            <a:ext cx="19436955" cy="4613907"/>
           </a:xfrm>
         </p:spPr>
         <p:txBody>
@@ -1561,39 +1574,39 @@
           <a:lstStyle>
             <a:lvl1pPr marL="0" indent="0">
               <a:buNone/>
-              <a:defRPr sz="9600" b="1"/>
+              <a:defRPr sz="12000" b="1"/>
             </a:lvl1pPr>
-            <a:lvl2pPr marL="1828800" indent="0">
+            <a:lvl2pPr marL="2286000" indent="0">
+              <a:buNone/>
+              <a:defRPr sz="10000" b="1"/>
+            </a:lvl2pPr>
+            <a:lvl3pPr marL="4572000" indent="0">
+              <a:buNone/>
+              <a:defRPr sz="9000" b="1"/>
+            </a:lvl3pPr>
+            <a:lvl4pPr marL="6858000" indent="0">
               <a:buNone/>
               <a:defRPr sz="8000" b="1"/>
-            </a:lvl2pPr>
-            <a:lvl3pPr marL="3657600" indent="0">
-              <a:buNone/>
-              <a:defRPr sz="7200" b="1"/>
-            </a:lvl3pPr>
-            <a:lvl4pPr marL="5486400" indent="0">
-              <a:buNone/>
-              <a:defRPr sz="6400" b="1"/>
             </a:lvl4pPr>
-            <a:lvl5pPr marL="7315200" indent="0">
-              <a:buNone/>
-              <a:defRPr sz="6400" b="1"/>
+            <a:lvl5pPr marL="9144000" indent="0">
+              <a:buNone/>
+              <a:defRPr sz="8000" b="1"/>
             </a:lvl5pPr>
-            <a:lvl6pPr marL="9144000" indent="0">
-              <a:buNone/>
-              <a:defRPr sz="6400" b="1"/>
+            <a:lvl6pPr marL="11430000" indent="0">
+              <a:buNone/>
+              <a:defRPr sz="8000" b="1"/>
             </a:lvl6pPr>
-            <a:lvl7pPr marL="10972800" indent="0">
-              <a:buNone/>
-              <a:defRPr sz="6400" b="1"/>
+            <a:lvl7pPr marL="13716000" indent="0">
+              <a:buNone/>
+              <a:defRPr sz="8000" b="1"/>
             </a:lvl7pPr>
-            <a:lvl8pPr marL="12801600" indent="0">
-              <a:buNone/>
-              <a:defRPr sz="6400" b="1"/>
+            <a:lvl8pPr marL="16002000" indent="0">
+              <a:buNone/>
+              <a:defRPr sz="8000" b="1"/>
             </a:lvl8pPr>
-            <a:lvl9pPr marL="14630400" indent="0">
-              <a:buNone/>
-              <a:defRPr sz="6400" b="1"/>
+            <a:lvl9pPr marL="18288000" indent="0">
+              <a:buNone/>
+              <a:defRPr sz="8000" b="1"/>
             </a:lvl9pPr>
           </a:lstStyle>
           <a:p>
@@ -1617,8 +1630,8 @@
         </p:nvSpPr>
         <p:spPr>
           <a:xfrm>
-            <a:off x="18516602" y="10688320"/>
-            <a:ext cx="15549564" cy="15720909"/>
+            <a:off x="23145752" y="14028420"/>
+            <a:ext cx="19436955" cy="20633693"/>
           </a:xfrm>
         </p:spPr>
         <p:txBody>
@@ -1679,7 +1692,7 @@
           <a:p>
             <a:fld id="{163E7BB8-35E6-4599-BD59-179E19EE3B17}" type="datetimeFigureOut">
               <a:rPr lang="en-US" smtClean="0"/>
-              <a:t>4/16/24</a:t>
+              <a:t>4/20/24</a:t>
             </a:fld>
             <a:endParaRPr lang="en-US"/>
           </a:p>
@@ -1730,7 +1743,7 @@
     </p:spTree>
     <p:extLst>
       <p:ext uri="{BB962C8B-B14F-4D97-AF65-F5344CB8AC3E}">
-        <p14:creationId xmlns:p14="http://schemas.microsoft.com/office/powerpoint/2010/main" val="3546074821"/>
+        <p14:creationId xmlns:p14="http://schemas.microsoft.com/office/powerpoint/2010/main" val="492476497"/>
       </p:ext>
     </p:extLst>
   </p:cSld>
@@ -1797,7 +1810,7 @@
           <a:p>
             <a:fld id="{163E7BB8-35E6-4599-BD59-179E19EE3B17}" type="datetimeFigureOut">
               <a:rPr lang="en-US" smtClean="0"/>
-              <a:t>4/16/24</a:t>
+              <a:t>4/20/24</a:t>
             </a:fld>
             <a:endParaRPr lang="en-US"/>
           </a:p>
@@ -1848,7 +1861,7 @@
     </p:spTree>
     <p:extLst>
       <p:ext uri="{BB962C8B-B14F-4D97-AF65-F5344CB8AC3E}">
-        <p14:creationId xmlns:p14="http://schemas.microsoft.com/office/powerpoint/2010/main" val="1515871379"/>
+        <p14:creationId xmlns:p14="http://schemas.microsoft.com/office/powerpoint/2010/main" val="346676604"/>
       </p:ext>
     </p:extLst>
   </p:cSld>
@@ -1892,7 +1905,7 @@
           <a:p>
             <a:fld id="{163E7BB8-35E6-4599-BD59-179E19EE3B17}" type="datetimeFigureOut">
               <a:rPr lang="en-US" smtClean="0"/>
-              <a:t>4/16/24</a:t>
+              <a:t>4/20/24</a:t>
             </a:fld>
             <a:endParaRPr lang="en-US"/>
           </a:p>
@@ -1943,7 +1956,7 @@
     </p:spTree>
     <p:extLst>
       <p:ext uri="{BB962C8B-B14F-4D97-AF65-F5344CB8AC3E}">
-        <p14:creationId xmlns:p14="http://schemas.microsoft.com/office/powerpoint/2010/main" val="2592411520"/>
+        <p14:creationId xmlns:p14="http://schemas.microsoft.com/office/powerpoint/2010/main" val="452271315"/>
       </p:ext>
     </p:extLst>
   </p:cSld>
@@ -1982,15 +1995,15 @@
         </p:nvSpPr>
         <p:spPr>
           <a:xfrm>
-            <a:off x="2519364" y="1950720"/>
-            <a:ext cx="11796712" cy="6827520"/>
+            <a:off x="3149205" y="2560320"/>
+            <a:ext cx="14745890" cy="8961120"/>
           </a:xfrm>
         </p:spPr>
         <p:txBody>
           <a:bodyPr anchor="b"/>
           <a:lstStyle>
             <a:lvl1pPr>
-              <a:defRPr sz="12800"/>
+              <a:defRPr sz="16000"/>
             </a:lvl1pPr>
           </a:lstStyle>
           <a:p>
@@ -2014,39 +2027,39 @@
         </p:nvSpPr>
         <p:spPr>
           <a:xfrm>
-            <a:off x="15549564" y="4213020"/>
-            <a:ext cx="18516600" cy="20794133"/>
+            <a:off x="19436955" y="5529588"/>
+            <a:ext cx="23145750" cy="27292300"/>
           </a:xfrm>
         </p:spPr>
         <p:txBody>
           <a:bodyPr/>
           <a:lstStyle>
             <a:lvl1pPr>
-              <a:defRPr sz="12800"/>
+              <a:defRPr sz="16000"/>
             </a:lvl1pPr>
             <a:lvl2pPr>
-              <a:defRPr sz="11200"/>
+              <a:defRPr sz="14000"/>
             </a:lvl2pPr>
             <a:lvl3pPr>
-              <a:defRPr sz="9600"/>
+              <a:defRPr sz="12000"/>
             </a:lvl3pPr>
             <a:lvl4pPr>
-              <a:defRPr sz="8000"/>
+              <a:defRPr sz="10000"/>
             </a:lvl4pPr>
             <a:lvl5pPr>
-              <a:defRPr sz="8000"/>
+              <a:defRPr sz="10000"/>
             </a:lvl5pPr>
             <a:lvl6pPr>
-              <a:defRPr sz="8000"/>
+              <a:defRPr sz="10000"/>
             </a:lvl6pPr>
             <a:lvl7pPr>
-              <a:defRPr sz="8000"/>
+              <a:defRPr sz="10000"/>
             </a:lvl7pPr>
             <a:lvl8pPr>
-              <a:defRPr sz="8000"/>
+              <a:defRPr sz="10000"/>
             </a:lvl8pPr>
             <a:lvl9pPr>
-              <a:defRPr sz="8000"/>
+              <a:defRPr sz="10000"/>
             </a:lvl9pPr>
           </a:lstStyle>
           <a:p>
@@ -2099,8 +2112,8 @@
         </p:nvSpPr>
         <p:spPr>
           <a:xfrm>
-            <a:off x="2519364" y="8778240"/>
-            <a:ext cx="11796712" cy="16262775"/>
+            <a:off x="3149205" y="11521440"/>
+            <a:ext cx="14745890" cy="21344893"/>
           </a:xfrm>
         </p:spPr>
         <p:txBody>
@@ -2108,39 +2121,39 @@
           <a:lstStyle>
             <a:lvl1pPr marL="0" indent="0">
               <a:buNone/>
-              <a:defRPr sz="6400"/>
+              <a:defRPr sz="8000"/>
             </a:lvl1pPr>
-            <a:lvl2pPr marL="1828800" indent="0">
-              <a:buNone/>
-              <a:defRPr sz="5600"/>
+            <a:lvl2pPr marL="2286000" indent="0">
+              <a:buNone/>
+              <a:defRPr sz="7000"/>
             </a:lvl2pPr>
-            <a:lvl3pPr marL="3657600" indent="0">
-              <a:buNone/>
-              <a:defRPr sz="4800"/>
+            <a:lvl3pPr marL="4572000" indent="0">
+              <a:buNone/>
+              <a:defRPr sz="6000"/>
             </a:lvl3pPr>
-            <a:lvl4pPr marL="5486400" indent="0">
-              <a:buNone/>
-              <a:defRPr sz="4000"/>
+            <a:lvl4pPr marL="6858000" indent="0">
+              <a:buNone/>
+              <a:defRPr sz="5000"/>
             </a:lvl4pPr>
-            <a:lvl5pPr marL="7315200" indent="0">
-              <a:buNone/>
-              <a:defRPr sz="4000"/>
+            <a:lvl5pPr marL="9144000" indent="0">
+              <a:buNone/>
+              <a:defRPr sz="5000"/>
             </a:lvl5pPr>
-            <a:lvl6pPr marL="9144000" indent="0">
-              <a:buNone/>
-              <a:defRPr sz="4000"/>
+            <a:lvl6pPr marL="11430000" indent="0">
+              <a:buNone/>
+              <a:defRPr sz="5000"/>
             </a:lvl6pPr>
-            <a:lvl7pPr marL="10972800" indent="0">
-              <a:buNone/>
-              <a:defRPr sz="4000"/>
+            <a:lvl7pPr marL="13716000" indent="0">
+              <a:buNone/>
+              <a:defRPr sz="5000"/>
             </a:lvl7pPr>
-            <a:lvl8pPr marL="12801600" indent="0">
-              <a:buNone/>
-              <a:defRPr sz="4000"/>
+            <a:lvl8pPr marL="16002000" indent="0">
+              <a:buNone/>
+              <a:defRPr sz="5000"/>
             </a:lvl8pPr>
-            <a:lvl9pPr marL="14630400" indent="0">
-              <a:buNone/>
-              <a:defRPr sz="4000"/>
+            <a:lvl9pPr marL="18288000" indent="0">
+              <a:buNone/>
+              <a:defRPr sz="5000"/>
             </a:lvl9pPr>
           </a:lstStyle>
           <a:p>
@@ -2169,7 +2182,7 @@
           <a:p>
             <a:fld id="{163E7BB8-35E6-4599-BD59-179E19EE3B17}" type="datetimeFigureOut">
               <a:rPr lang="en-US" smtClean="0"/>
-              <a:t>4/16/24</a:t>
+              <a:t>4/20/24</a:t>
             </a:fld>
             <a:endParaRPr lang="en-US"/>
           </a:p>
@@ -2220,7 +2233,7 @@
     </p:spTree>
     <p:extLst>
       <p:ext uri="{BB962C8B-B14F-4D97-AF65-F5344CB8AC3E}">
-        <p14:creationId xmlns:p14="http://schemas.microsoft.com/office/powerpoint/2010/main" val="1331893536"/>
+        <p14:creationId xmlns:p14="http://schemas.microsoft.com/office/powerpoint/2010/main" val="2169586477"/>
       </p:ext>
     </p:extLst>
   </p:cSld>
@@ -2259,15 +2272,15 @@
         </p:nvSpPr>
         <p:spPr>
           <a:xfrm>
-            <a:off x="2519364" y="1950720"/>
-            <a:ext cx="11796712" cy="6827520"/>
+            <a:off x="3149205" y="2560320"/>
+            <a:ext cx="14745890" cy="8961120"/>
           </a:xfrm>
         </p:spPr>
         <p:txBody>
           <a:bodyPr anchor="b"/>
           <a:lstStyle>
             <a:lvl1pPr>
-              <a:defRPr sz="12800"/>
+              <a:defRPr sz="16000"/>
             </a:lvl1pPr>
           </a:lstStyle>
           <a:p>
@@ -2291,8 +2304,8 @@
         </p:nvSpPr>
         <p:spPr>
           <a:xfrm>
-            <a:off x="15549564" y="4213020"/>
-            <a:ext cx="18516600" cy="20794133"/>
+            <a:off x="19436955" y="5529588"/>
+            <a:ext cx="23145750" cy="27292300"/>
           </a:xfrm>
         </p:spPr>
         <p:txBody>
@@ -2300,39 +2313,39 @@
           <a:lstStyle>
             <a:lvl1pPr marL="0" indent="0">
               <a:buNone/>
-              <a:defRPr sz="12800"/>
+              <a:defRPr sz="16000"/>
             </a:lvl1pPr>
-            <a:lvl2pPr marL="1828800" indent="0">
-              <a:buNone/>
-              <a:defRPr sz="11200"/>
+            <a:lvl2pPr marL="2286000" indent="0">
+              <a:buNone/>
+              <a:defRPr sz="14000"/>
             </a:lvl2pPr>
-            <a:lvl3pPr marL="3657600" indent="0">
-              <a:buNone/>
-              <a:defRPr sz="9600"/>
+            <a:lvl3pPr marL="4572000" indent="0">
+              <a:buNone/>
+              <a:defRPr sz="12000"/>
             </a:lvl3pPr>
-            <a:lvl4pPr marL="5486400" indent="0">
-              <a:buNone/>
-              <a:defRPr sz="8000"/>
+            <a:lvl4pPr marL="6858000" indent="0">
+              <a:buNone/>
+              <a:defRPr sz="10000"/>
             </a:lvl4pPr>
-            <a:lvl5pPr marL="7315200" indent="0">
-              <a:buNone/>
-              <a:defRPr sz="8000"/>
+            <a:lvl5pPr marL="9144000" indent="0">
+              <a:buNone/>
+              <a:defRPr sz="10000"/>
             </a:lvl5pPr>
-            <a:lvl6pPr marL="9144000" indent="0">
-              <a:buNone/>
-              <a:defRPr sz="8000"/>
+            <a:lvl6pPr marL="11430000" indent="0">
+              <a:buNone/>
+              <a:defRPr sz="10000"/>
             </a:lvl6pPr>
-            <a:lvl7pPr marL="10972800" indent="0">
-              <a:buNone/>
-              <a:defRPr sz="8000"/>
+            <a:lvl7pPr marL="13716000" indent="0">
+              <a:buNone/>
+              <a:defRPr sz="10000"/>
             </a:lvl7pPr>
-            <a:lvl8pPr marL="12801600" indent="0">
-              <a:buNone/>
-              <a:defRPr sz="8000"/>
+            <a:lvl8pPr marL="16002000" indent="0">
+              <a:buNone/>
+              <a:defRPr sz="10000"/>
             </a:lvl8pPr>
-            <a:lvl9pPr marL="14630400" indent="0">
-              <a:buNone/>
-              <a:defRPr sz="8000"/>
+            <a:lvl9pPr marL="18288000" indent="0">
+              <a:buNone/>
+              <a:defRPr sz="10000"/>
             </a:lvl9pPr>
           </a:lstStyle>
           <a:p>
@@ -2356,8 +2369,8 @@
         </p:nvSpPr>
         <p:spPr>
           <a:xfrm>
-            <a:off x="2519364" y="8778240"/>
-            <a:ext cx="11796712" cy="16262775"/>
+            <a:off x="3149205" y="11521440"/>
+            <a:ext cx="14745890" cy="21344893"/>
           </a:xfrm>
         </p:spPr>
         <p:txBody>
@@ -2365,39 +2378,39 @@
           <a:lstStyle>
             <a:lvl1pPr marL="0" indent="0">
               <a:buNone/>
-              <a:defRPr sz="6400"/>
+              <a:defRPr sz="8000"/>
             </a:lvl1pPr>
-            <a:lvl2pPr marL="1828800" indent="0">
-              <a:buNone/>
-              <a:defRPr sz="5600"/>
+            <a:lvl2pPr marL="2286000" indent="0">
+              <a:buNone/>
+              <a:defRPr sz="7000"/>
             </a:lvl2pPr>
-            <a:lvl3pPr marL="3657600" indent="0">
-              <a:buNone/>
-              <a:defRPr sz="4800"/>
+            <a:lvl3pPr marL="4572000" indent="0">
+              <a:buNone/>
+              <a:defRPr sz="6000"/>
             </a:lvl3pPr>
-            <a:lvl4pPr marL="5486400" indent="0">
-              <a:buNone/>
-              <a:defRPr sz="4000"/>
+            <a:lvl4pPr marL="6858000" indent="0">
+              <a:buNone/>
+              <a:defRPr sz="5000"/>
             </a:lvl4pPr>
-            <a:lvl5pPr marL="7315200" indent="0">
-              <a:buNone/>
-              <a:defRPr sz="4000"/>
+            <a:lvl5pPr marL="9144000" indent="0">
+              <a:buNone/>
+              <a:defRPr sz="5000"/>
             </a:lvl5pPr>
-            <a:lvl6pPr marL="9144000" indent="0">
-              <a:buNone/>
-              <a:defRPr sz="4000"/>
+            <a:lvl6pPr marL="11430000" indent="0">
+              <a:buNone/>
+              <a:defRPr sz="5000"/>
             </a:lvl6pPr>
-            <a:lvl7pPr marL="10972800" indent="0">
-              <a:buNone/>
-              <a:defRPr sz="4000"/>
+            <a:lvl7pPr marL="13716000" indent="0">
+              <a:buNone/>
+              <a:defRPr sz="5000"/>
             </a:lvl7pPr>
-            <a:lvl8pPr marL="12801600" indent="0">
-              <a:buNone/>
-              <a:defRPr sz="4000"/>
+            <a:lvl8pPr marL="16002000" indent="0">
+              <a:buNone/>
+              <a:defRPr sz="5000"/>
             </a:lvl8pPr>
-            <a:lvl9pPr marL="14630400" indent="0">
-              <a:buNone/>
-              <a:defRPr sz="4000"/>
+            <a:lvl9pPr marL="18288000" indent="0">
+              <a:buNone/>
+              <a:defRPr sz="5000"/>
             </a:lvl9pPr>
           </a:lstStyle>
           <a:p>
@@ -2426,7 +2439,7 @@
           <a:p>
             <a:fld id="{163E7BB8-35E6-4599-BD59-179E19EE3B17}" type="datetimeFigureOut">
               <a:rPr lang="en-US" smtClean="0"/>
-              <a:t>4/16/24</a:t>
+              <a:t>4/20/24</a:t>
             </a:fld>
             <a:endParaRPr lang="en-US"/>
           </a:p>
@@ -2477,7 +2490,7 @@
     </p:spTree>
     <p:extLst>
       <p:ext uri="{BB962C8B-B14F-4D97-AF65-F5344CB8AC3E}">
-        <p14:creationId xmlns:p14="http://schemas.microsoft.com/office/powerpoint/2010/main" val="214800923"/>
+        <p14:creationId xmlns:p14="http://schemas.microsoft.com/office/powerpoint/2010/main" val="156245138"/>
       </p:ext>
     </p:extLst>
   </p:cSld>
@@ -2521,8 +2534,8 @@
         </p:nvSpPr>
         <p:spPr>
           <a:xfrm>
-            <a:off x="2514600" y="1557873"/>
-            <a:ext cx="31546800" cy="5655735"/>
+            <a:off x="3143250" y="2044708"/>
+            <a:ext cx="39433500" cy="7423153"/>
           </a:xfrm>
           <a:prstGeom prst="rect">
             <a:avLst/>
@@ -2554,8 +2567,8 @@
         </p:nvSpPr>
         <p:spPr>
           <a:xfrm>
-            <a:off x="2514600" y="7789333"/>
-            <a:ext cx="31546800" cy="18565709"/>
+            <a:off x="3143250" y="10223500"/>
+            <a:ext cx="39433500" cy="24367493"/>
           </a:xfrm>
           <a:prstGeom prst="rect">
             <a:avLst/>
@@ -2616,8 +2629,8 @@
         </p:nvSpPr>
         <p:spPr>
           <a:xfrm>
-            <a:off x="2514600" y="27120433"/>
-            <a:ext cx="8229600" cy="1557867"/>
+            <a:off x="3143250" y="35595568"/>
+            <a:ext cx="10287000" cy="2044700"/>
           </a:xfrm>
           <a:prstGeom prst="rect">
             <a:avLst/>
@@ -2627,7 +2640,7 @@
           <a:bodyPr vert="horz" lIns="91440" tIns="45720" rIns="91440" bIns="45720" rtlCol="0" anchor="ctr"/>
           <a:lstStyle>
             <a:lvl1pPr algn="l">
-              <a:defRPr sz="4800">
+              <a:defRPr sz="6000">
                 <a:solidFill>
                   <a:schemeClr val="tx1">
                     <a:tint val="82000"/>
@@ -2639,7 +2652,7 @@
           <a:p>
             <a:fld id="{163E7BB8-35E6-4599-BD59-179E19EE3B17}" type="datetimeFigureOut">
               <a:rPr lang="en-US" smtClean="0"/>
-              <a:t>4/16/24</a:t>
+              <a:t>4/20/24</a:t>
             </a:fld>
             <a:endParaRPr lang="en-US"/>
           </a:p>
@@ -2657,8 +2670,8 @@
         </p:nvSpPr>
         <p:spPr>
           <a:xfrm>
-            <a:off x="12115800" y="27120433"/>
-            <a:ext cx="12344400" cy="1557867"/>
+            <a:off x="15144750" y="35595568"/>
+            <a:ext cx="15430500" cy="2044700"/>
           </a:xfrm>
           <a:prstGeom prst="rect">
             <a:avLst/>
@@ -2668,7 +2681,7 @@
           <a:bodyPr vert="horz" lIns="91440" tIns="45720" rIns="91440" bIns="45720" rtlCol="0" anchor="ctr"/>
           <a:lstStyle>
             <a:lvl1pPr algn="ctr">
-              <a:defRPr sz="4800">
+              <a:defRPr sz="6000">
                 <a:solidFill>
                   <a:schemeClr val="tx1">
                     <a:tint val="82000"/>
@@ -2694,8 +2707,8 @@
         </p:nvSpPr>
         <p:spPr>
           <a:xfrm>
-            <a:off x="25831800" y="27120433"/>
-            <a:ext cx="8229600" cy="1557867"/>
+            <a:off x="32289750" y="35595568"/>
+            <a:ext cx="10287000" cy="2044700"/>
           </a:xfrm>
           <a:prstGeom prst="rect">
             <a:avLst/>
@@ -2705,7 +2718,7 @@
           <a:bodyPr vert="horz" lIns="91440" tIns="45720" rIns="91440" bIns="45720" rtlCol="0" anchor="ctr"/>
           <a:lstStyle>
             <a:lvl1pPr algn="r">
-              <a:defRPr sz="4800">
+              <a:defRPr sz="6000">
                 <a:solidFill>
                   <a:schemeClr val="tx1">
                     <a:tint val="82000"/>
@@ -2726,27 +2739,27 @@
     </p:spTree>
     <p:extLst>
       <p:ext uri="{BB962C8B-B14F-4D97-AF65-F5344CB8AC3E}">
-        <p14:creationId xmlns:p14="http://schemas.microsoft.com/office/powerpoint/2010/main" val="2749417688"/>
+        <p14:creationId xmlns:p14="http://schemas.microsoft.com/office/powerpoint/2010/main" val="2046046222"/>
       </p:ext>
     </p:extLst>
   </p:cSld>
   <p:clrMap bg1="lt1" tx1="dk1" bg2="lt2" tx2="dk2" accent1="accent1" accent2="accent2" accent3="accent3" accent4="accent4" accent5="accent5" accent6="accent6" hlink="hlink" folHlink="folHlink"/>
   <p:sldLayoutIdLst>
-    <p:sldLayoutId id="2147483673" r:id="rId1"/>
-    <p:sldLayoutId id="2147483674" r:id="rId2"/>
-    <p:sldLayoutId id="2147483675" r:id="rId3"/>
-    <p:sldLayoutId id="2147483676" r:id="rId4"/>
-    <p:sldLayoutId id="2147483677" r:id="rId5"/>
-    <p:sldLayoutId id="2147483678" r:id="rId6"/>
-    <p:sldLayoutId id="2147483679" r:id="rId7"/>
-    <p:sldLayoutId id="2147483680" r:id="rId8"/>
-    <p:sldLayoutId id="2147483681" r:id="rId9"/>
-    <p:sldLayoutId id="2147483682" r:id="rId10"/>
-    <p:sldLayoutId id="2147483683" r:id="rId11"/>
+    <p:sldLayoutId id="2147483685" r:id="rId1"/>
+    <p:sldLayoutId id="2147483686" r:id="rId2"/>
+    <p:sldLayoutId id="2147483687" r:id="rId3"/>
+    <p:sldLayoutId id="2147483688" r:id="rId4"/>
+    <p:sldLayoutId id="2147483689" r:id="rId5"/>
+    <p:sldLayoutId id="2147483690" r:id="rId6"/>
+    <p:sldLayoutId id="2147483691" r:id="rId7"/>
+    <p:sldLayoutId id="2147483692" r:id="rId8"/>
+    <p:sldLayoutId id="2147483693" r:id="rId9"/>
+    <p:sldLayoutId id="2147483694" r:id="rId10"/>
+    <p:sldLayoutId id="2147483695" r:id="rId11"/>
   </p:sldLayoutIdLst>
   <p:txStyles>
     <p:titleStyle>
-      <a:lvl1pPr algn="l" defTabSz="3657600" rtl="0" eaLnBrk="1" latinLnBrk="0" hangingPunct="1">
+      <a:lvl1pPr algn="l" defTabSz="4572000" rtl="0" eaLnBrk="1" latinLnBrk="0" hangingPunct="1">
         <a:lnSpc>
           <a:spcPct val="90000"/>
         </a:lnSpc>
@@ -2754,7 +2767,7 @@
           <a:spcPct val="0"/>
         </a:spcBef>
         <a:buNone/>
-        <a:defRPr sz="17600" kern="1200">
+        <a:defRPr sz="22000" kern="1200">
           <a:solidFill>
             <a:schemeClr val="tx1"/>
           </a:solidFill>
@@ -2765,16 +2778,16 @@
       </a:lvl1pPr>
     </p:titleStyle>
     <p:bodyStyle>
-      <a:lvl1pPr marL="914400" indent="-914400" algn="l" defTabSz="3657600" rtl="0" eaLnBrk="1" latinLnBrk="0" hangingPunct="1">
+      <a:lvl1pPr marL="1143000" indent="-1143000" algn="l" defTabSz="4572000" rtl="0" eaLnBrk="1" latinLnBrk="0" hangingPunct="1">
         <a:lnSpc>
           <a:spcPct val="90000"/>
         </a:lnSpc>
         <a:spcBef>
-          <a:spcPts val="4000"/>
+          <a:spcPts val="5000"/>
         </a:spcBef>
         <a:buFont typeface="Arial" panose="020B0604020202020204" pitchFamily="34" charset="0"/>
         <a:buChar char="•"/>
-        <a:defRPr sz="11200" kern="1200">
+        <a:defRPr sz="14000" kern="1200">
           <a:solidFill>
             <a:schemeClr val="tx1"/>
           </a:solidFill>
@@ -2783,16 +2796,16 @@
           <a:cs typeface="+mn-cs"/>
         </a:defRPr>
       </a:lvl1pPr>
-      <a:lvl2pPr marL="2743200" indent="-914400" algn="l" defTabSz="3657600" rtl="0" eaLnBrk="1" latinLnBrk="0" hangingPunct="1">
+      <a:lvl2pPr marL="3429000" indent="-1143000" algn="l" defTabSz="4572000" rtl="0" eaLnBrk="1" latinLnBrk="0" hangingPunct="1">
         <a:lnSpc>
           <a:spcPct val="90000"/>
         </a:lnSpc>
         <a:spcBef>
-          <a:spcPts val="2000"/>
+          <a:spcPts val="2500"/>
         </a:spcBef>
         <a:buFont typeface="Arial" panose="020B0604020202020204" pitchFamily="34" charset="0"/>
         <a:buChar char="•"/>
-        <a:defRPr sz="9600" kern="1200">
+        <a:defRPr sz="12000" kern="1200">
           <a:solidFill>
             <a:schemeClr val="tx1"/>
           </a:solidFill>
@@ -2801,16 +2814,16 @@
           <a:cs typeface="+mn-cs"/>
         </a:defRPr>
       </a:lvl2pPr>
-      <a:lvl3pPr marL="4572000" indent="-914400" algn="l" defTabSz="3657600" rtl="0" eaLnBrk="1" latinLnBrk="0" hangingPunct="1">
+      <a:lvl3pPr marL="5715000" indent="-1143000" algn="l" defTabSz="4572000" rtl="0" eaLnBrk="1" latinLnBrk="0" hangingPunct="1">
         <a:lnSpc>
           <a:spcPct val="90000"/>
         </a:lnSpc>
         <a:spcBef>
-          <a:spcPts val="2000"/>
+          <a:spcPts val="2500"/>
         </a:spcBef>
         <a:buFont typeface="Arial" panose="020B0604020202020204" pitchFamily="34" charset="0"/>
         <a:buChar char="•"/>
-        <a:defRPr sz="8000" kern="1200">
+        <a:defRPr sz="10000" kern="1200">
           <a:solidFill>
             <a:schemeClr val="tx1"/>
           </a:solidFill>
@@ -2819,16 +2832,16 @@
           <a:cs typeface="+mn-cs"/>
         </a:defRPr>
       </a:lvl3pPr>
-      <a:lvl4pPr marL="6400800" indent="-914400" algn="l" defTabSz="3657600" rtl="0" eaLnBrk="1" latinLnBrk="0" hangingPunct="1">
+      <a:lvl4pPr marL="8001000" indent="-1143000" algn="l" defTabSz="4572000" rtl="0" eaLnBrk="1" latinLnBrk="0" hangingPunct="1">
         <a:lnSpc>
           <a:spcPct val="90000"/>
         </a:lnSpc>
         <a:spcBef>
-          <a:spcPts val="2000"/>
+          <a:spcPts val="2500"/>
         </a:spcBef>
         <a:buFont typeface="Arial" panose="020B0604020202020204" pitchFamily="34" charset="0"/>
         <a:buChar char="•"/>
-        <a:defRPr sz="7200" kern="1200">
+        <a:defRPr sz="9000" kern="1200">
           <a:solidFill>
             <a:schemeClr val="tx1"/>
           </a:solidFill>
@@ -2837,16 +2850,16 @@
           <a:cs typeface="+mn-cs"/>
         </a:defRPr>
       </a:lvl4pPr>
-      <a:lvl5pPr marL="8229600" indent="-914400" algn="l" defTabSz="3657600" rtl="0" eaLnBrk="1" latinLnBrk="0" hangingPunct="1">
+      <a:lvl5pPr marL="10287000" indent="-1143000" algn="l" defTabSz="4572000" rtl="0" eaLnBrk="1" latinLnBrk="0" hangingPunct="1">
         <a:lnSpc>
           <a:spcPct val="90000"/>
         </a:lnSpc>
         <a:spcBef>
-          <a:spcPts val="2000"/>
+          <a:spcPts val="2500"/>
         </a:spcBef>
         <a:buFont typeface="Arial" panose="020B0604020202020204" pitchFamily="34" charset="0"/>
         <a:buChar char="•"/>
-        <a:defRPr sz="7200" kern="1200">
+        <a:defRPr sz="9000" kern="1200">
           <a:solidFill>
             <a:schemeClr val="tx1"/>
           </a:solidFill>
@@ -2855,16 +2868,16 @@
           <a:cs typeface="+mn-cs"/>
         </a:defRPr>
       </a:lvl5pPr>
-      <a:lvl6pPr marL="10058400" indent="-914400" algn="l" defTabSz="3657600" rtl="0" eaLnBrk="1" latinLnBrk="0" hangingPunct="1">
+      <a:lvl6pPr marL="12573000" indent="-1143000" algn="l" defTabSz="4572000" rtl="0" eaLnBrk="1" latinLnBrk="0" hangingPunct="1">
         <a:lnSpc>
           <a:spcPct val="90000"/>
         </a:lnSpc>
         <a:spcBef>
-          <a:spcPts val="2000"/>
+          <a:spcPts val="2500"/>
         </a:spcBef>
         <a:buFont typeface="Arial" panose="020B0604020202020204" pitchFamily="34" charset="0"/>
         <a:buChar char="•"/>
-        <a:defRPr sz="7200" kern="1200">
+        <a:defRPr sz="9000" kern="1200">
           <a:solidFill>
             <a:schemeClr val="tx1"/>
           </a:solidFill>
@@ -2873,16 +2886,16 @@
           <a:cs typeface="+mn-cs"/>
         </a:defRPr>
       </a:lvl6pPr>
-      <a:lvl7pPr marL="11887200" indent="-914400" algn="l" defTabSz="3657600" rtl="0" eaLnBrk="1" latinLnBrk="0" hangingPunct="1">
+      <a:lvl7pPr marL="14859000" indent="-1143000" algn="l" defTabSz="4572000" rtl="0" eaLnBrk="1" latinLnBrk="0" hangingPunct="1">
         <a:lnSpc>
           <a:spcPct val="90000"/>
         </a:lnSpc>
         <a:spcBef>
-          <a:spcPts val="2000"/>
+          <a:spcPts val="2500"/>
         </a:spcBef>
         <a:buFont typeface="Arial" panose="020B0604020202020204" pitchFamily="34" charset="0"/>
         <a:buChar char="•"/>
-        <a:defRPr sz="7200" kern="1200">
+        <a:defRPr sz="9000" kern="1200">
           <a:solidFill>
             <a:schemeClr val="tx1"/>
           </a:solidFill>
@@ -2891,16 +2904,16 @@
           <a:cs typeface="+mn-cs"/>
         </a:defRPr>
       </a:lvl7pPr>
-      <a:lvl8pPr marL="13716000" indent="-914400" algn="l" defTabSz="3657600" rtl="0" eaLnBrk="1" latinLnBrk="0" hangingPunct="1">
+      <a:lvl8pPr marL="17145000" indent="-1143000" algn="l" defTabSz="4572000" rtl="0" eaLnBrk="1" latinLnBrk="0" hangingPunct="1">
         <a:lnSpc>
           <a:spcPct val="90000"/>
         </a:lnSpc>
         <a:spcBef>
-          <a:spcPts val="2000"/>
+          <a:spcPts val="2500"/>
         </a:spcBef>
         <a:buFont typeface="Arial" panose="020B0604020202020204" pitchFamily="34" charset="0"/>
         <a:buChar char="•"/>
-        <a:defRPr sz="7200" kern="1200">
+        <a:defRPr sz="9000" kern="1200">
           <a:solidFill>
             <a:schemeClr val="tx1"/>
           </a:solidFill>
@@ -2909,16 +2922,16 @@
           <a:cs typeface="+mn-cs"/>
         </a:defRPr>
       </a:lvl8pPr>
-      <a:lvl9pPr marL="15544800" indent="-914400" algn="l" defTabSz="3657600" rtl="0" eaLnBrk="1" latinLnBrk="0" hangingPunct="1">
+      <a:lvl9pPr marL="19431000" indent="-1143000" algn="l" defTabSz="4572000" rtl="0" eaLnBrk="1" latinLnBrk="0" hangingPunct="1">
         <a:lnSpc>
           <a:spcPct val="90000"/>
         </a:lnSpc>
         <a:spcBef>
-          <a:spcPts val="2000"/>
+          <a:spcPts val="2500"/>
         </a:spcBef>
         <a:buFont typeface="Arial" panose="020B0604020202020204" pitchFamily="34" charset="0"/>
         <a:buChar char="•"/>
-        <a:defRPr sz="7200" kern="1200">
+        <a:defRPr sz="9000" kern="1200">
           <a:solidFill>
             <a:schemeClr val="tx1"/>
           </a:solidFill>
@@ -2932,8 +2945,8 @@
       <a:defPPr>
         <a:defRPr lang="en-US"/>
       </a:defPPr>
-      <a:lvl1pPr marL="0" algn="l" defTabSz="3657600" rtl="0" eaLnBrk="1" latinLnBrk="0" hangingPunct="1">
-        <a:defRPr sz="7200" kern="1200">
+      <a:lvl1pPr marL="0" algn="l" defTabSz="4572000" rtl="0" eaLnBrk="1" latinLnBrk="0" hangingPunct="1">
+        <a:defRPr sz="9000" kern="1200">
           <a:solidFill>
             <a:schemeClr val="tx1"/>
           </a:solidFill>
@@ -2942,8 +2955,8 @@
           <a:cs typeface="+mn-cs"/>
         </a:defRPr>
       </a:lvl1pPr>
-      <a:lvl2pPr marL="1828800" algn="l" defTabSz="3657600" rtl="0" eaLnBrk="1" latinLnBrk="0" hangingPunct="1">
-        <a:defRPr sz="7200" kern="1200">
+      <a:lvl2pPr marL="2286000" algn="l" defTabSz="4572000" rtl="0" eaLnBrk="1" latinLnBrk="0" hangingPunct="1">
+        <a:defRPr sz="9000" kern="1200">
           <a:solidFill>
             <a:schemeClr val="tx1"/>
           </a:solidFill>
@@ -2952,8 +2965,8 @@
           <a:cs typeface="+mn-cs"/>
         </a:defRPr>
       </a:lvl2pPr>
-      <a:lvl3pPr marL="3657600" algn="l" defTabSz="3657600" rtl="0" eaLnBrk="1" latinLnBrk="0" hangingPunct="1">
-        <a:defRPr sz="7200" kern="1200">
+      <a:lvl3pPr marL="4572000" algn="l" defTabSz="4572000" rtl="0" eaLnBrk="1" latinLnBrk="0" hangingPunct="1">
+        <a:defRPr sz="9000" kern="1200">
           <a:solidFill>
             <a:schemeClr val="tx1"/>
           </a:solidFill>
@@ -2962,8 +2975,8 @@
           <a:cs typeface="+mn-cs"/>
         </a:defRPr>
       </a:lvl3pPr>
-      <a:lvl4pPr marL="5486400" algn="l" defTabSz="3657600" rtl="0" eaLnBrk="1" latinLnBrk="0" hangingPunct="1">
-        <a:defRPr sz="7200" kern="1200">
+      <a:lvl4pPr marL="6858000" algn="l" defTabSz="4572000" rtl="0" eaLnBrk="1" latinLnBrk="0" hangingPunct="1">
+        <a:defRPr sz="9000" kern="1200">
           <a:solidFill>
             <a:schemeClr val="tx1"/>
           </a:solidFill>
@@ -2972,8 +2985,8 @@
           <a:cs typeface="+mn-cs"/>
         </a:defRPr>
       </a:lvl4pPr>
-      <a:lvl5pPr marL="7315200" algn="l" defTabSz="3657600" rtl="0" eaLnBrk="1" latinLnBrk="0" hangingPunct="1">
-        <a:defRPr sz="7200" kern="1200">
+      <a:lvl5pPr marL="9144000" algn="l" defTabSz="4572000" rtl="0" eaLnBrk="1" latinLnBrk="0" hangingPunct="1">
+        <a:defRPr sz="9000" kern="1200">
           <a:solidFill>
             <a:schemeClr val="tx1"/>
           </a:solidFill>
@@ -2982,8 +2995,8 @@
           <a:cs typeface="+mn-cs"/>
         </a:defRPr>
       </a:lvl5pPr>
-      <a:lvl6pPr marL="9144000" algn="l" defTabSz="3657600" rtl="0" eaLnBrk="1" latinLnBrk="0" hangingPunct="1">
-        <a:defRPr sz="7200" kern="1200">
+      <a:lvl6pPr marL="11430000" algn="l" defTabSz="4572000" rtl="0" eaLnBrk="1" latinLnBrk="0" hangingPunct="1">
+        <a:defRPr sz="9000" kern="1200">
           <a:solidFill>
             <a:schemeClr val="tx1"/>
           </a:solidFill>
@@ -2992,8 +3005,8 @@
           <a:cs typeface="+mn-cs"/>
         </a:defRPr>
       </a:lvl6pPr>
-      <a:lvl7pPr marL="10972800" algn="l" defTabSz="3657600" rtl="0" eaLnBrk="1" latinLnBrk="0" hangingPunct="1">
-        <a:defRPr sz="7200" kern="1200">
+      <a:lvl7pPr marL="13716000" algn="l" defTabSz="4572000" rtl="0" eaLnBrk="1" latinLnBrk="0" hangingPunct="1">
+        <a:defRPr sz="9000" kern="1200">
           <a:solidFill>
             <a:schemeClr val="tx1"/>
           </a:solidFill>
@@ -3002,8 +3015,8 @@
           <a:cs typeface="+mn-cs"/>
         </a:defRPr>
       </a:lvl7pPr>
-      <a:lvl8pPr marL="12801600" algn="l" defTabSz="3657600" rtl="0" eaLnBrk="1" latinLnBrk="0" hangingPunct="1">
-        <a:defRPr sz="7200" kern="1200">
+      <a:lvl8pPr marL="16002000" algn="l" defTabSz="4572000" rtl="0" eaLnBrk="1" latinLnBrk="0" hangingPunct="1">
+        <a:defRPr sz="9000" kern="1200">
           <a:solidFill>
             <a:schemeClr val="tx1"/>
           </a:solidFill>
@@ -3012,8 +3025,8 @@
           <a:cs typeface="+mn-cs"/>
         </a:defRPr>
       </a:lvl8pPr>
-      <a:lvl9pPr marL="14630400" algn="l" defTabSz="3657600" rtl="0" eaLnBrk="1" latinLnBrk="0" hangingPunct="1">
-        <a:defRPr sz="7200" kern="1200">
+      <a:lvl9pPr marL="18288000" algn="l" defTabSz="4572000" rtl="0" eaLnBrk="1" latinLnBrk="0" hangingPunct="1">
+        <a:defRPr sz="9000" kern="1200">
           <a:solidFill>
             <a:schemeClr val="tx1"/>
           </a:solidFill>
@@ -3058,8 +3071,8 @@
         </p:nvSpPr>
         <p:spPr>
           <a:xfrm>
-            <a:off x="-1" y="0"/>
-            <a:ext cx="36576001" cy="4572000"/>
+            <a:off x="571499" y="602339"/>
+            <a:ext cx="44691301" cy="5398411"/>
           </a:xfrm>
           <a:prstGeom prst="rect">
             <a:avLst/>
@@ -3092,7 +3105,7 @@
           <a:lstStyle/>
           <a:p>
             <a:pPr algn="ctr"/>
-            <a:endParaRPr lang="en-US" sz="2278" dirty="0"/>
+            <a:endParaRPr lang="en-US" sz="2848" dirty="0"/>
           </a:p>
         </p:txBody>
       </p:sp>
@@ -3110,8 +3123,8 @@
         </p:nvSpPr>
         <p:spPr>
           <a:xfrm>
-            <a:off x="-1" y="626963"/>
-            <a:ext cx="36479917" cy="1257395"/>
+            <a:off x="-1" y="1709597"/>
+            <a:ext cx="45599896" cy="1548757"/>
           </a:xfrm>
           <a:prstGeom prst="rect">
             <a:avLst/>
@@ -3126,11 +3139,11 @@
           <a:p>
             <a:pPr algn="ctr">
               <a:spcBef>
-                <a:spcPts val="2278"/>
+                <a:spcPts val="2848"/>
               </a:spcBef>
             </a:pPr>
             <a:r>
-              <a:rPr lang="en-US" sz="5800" dirty="0">
+              <a:rPr lang="en-US" sz="7250" dirty="0">
                 <a:solidFill>
                   <a:schemeClr val="bg1"/>
                 </a:solidFill>
@@ -3142,10 +3155,10 @@
             </a:r>
           </a:p>
           <a:p>
-            <a:pPr algn="ctr" defTabSz="578320">
+            <a:pPr algn="ctr" defTabSz="722900">
               <a:defRPr/>
             </a:pPr>
-            <a:endParaRPr lang="en-US" sz="1771" dirty="0">
+            <a:endParaRPr lang="en-US" sz="2214" dirty="0">
               <a:solidFill>
                 <a:prstClr val="white"/>
               </a:solidFill>
@@ -3184,8 +3197,8 @@
         </p:blipFill>
         <p:spPr>
           <a:xfrm>
-            <a:off x="503237" y="3048060"/>
-            <a:ext cx="2290764" cy="1459690"/>
+            <a:off x="629046" y="3841862"/>
+            <a:ext cx="2863455" cy="1824613"/>
           </a:xfrm>
           <a:prstGeom prst="rect">
             <a:avLst/>
@@ -3223,8 +3236,8 @@
         </p:blipFill>
         <p:spPr>
           <a:xfrm>
-            <a:off x="30136827" y="3042857"/>
-            <a:ext cx="1265691" cy="1224343"/>
+            <a:off x="38294494" y="4043179"/>
+            <a:ext cx="1582114" cy="1530429"/>
           </a:xfrm>
           <a:prstGeom prst="rect">
             <a:avLst/>
@@ -3247,8 +3260,8 @@
         </p:nvSpPr>
         <p:spPr bwMode="auto">
           <a:xfrm flipH="1">
-            <a:off x="7581146" y="2015079"/>
-            <a:ext cx="21413707" cy="707886"/>
+            <a:off x="9476433" y="3433249"/>
+            <a:ext cx="26767134" cy="861774"/>
           </a:xfrm>
           <a:prstGeom prst="rect">
             <a:avLst/>
@@ -3391,7 +3404,7 @@
           <a:p>
             <a:pPr algn="ctr"/>
             <a:r>
-              <a:rPr lang="en-US" altLang="en-US" sz="4000" dirty="0" err="1">
+              <a:rPr lang="en-US" altLang="en-US" sz="5000" dirty="0" err="1">
                 <a:solidFill>
                   <a:schemeClr val="bg1"/>
                 </a:solidFill>
@@ -3401,7 +3414,7 @@
               <a:t>Sreeram</a:t>
             </a:r>
             <a:r>
-              <a:rPr lang="en-US" altLang="en-US" sz="4000" dirty="0">
+              <a:rPr lang="en-US" altLang="en-US" sz="5000" dirty="0">
                 <a:solidFill>
                   <a:schemeClr val="bg1"/>
                 </a:solidFill>
@@ -3411,7 +3424,7 @@
               <a:t> </a:t>
             </a:r>
             <a:r>
-              <a:rPr lang="en-US" altLang="en-US" sz="4000" dirty="0" err="1">
+              <a:rPr lang="en-US" altLang="en-US" sz="5000" dirty="0" err="1">
                 <a:solidFill>
                   <a:schemeClr val="bg1"/>
                 </a:solidFill>
@@ -3421,7 +3434,7 @@
               <a:t>Thirupathi</a:t>
             </a:r>
             <a:r>
-              <a:rPr lang="en-US" altLang="en-US" sz="4000" dirty="0">
+              <a:rPr lang="en-US" altLang="en-US" sz="5000" dirty="0">
                 <a:solidFill>
                   <a:schemeClr val="bg1"/>
                 </a:solidFill>
@@ -3431,7 +3444,7 @@
               <a:t>, Helen Wang, Ravesh Sukhnandan, Nathan </a:t>
             </a:r>
             <a:r>
-              <a:rPr lang="en-US" altLang="en-US" sz="4000" dirty="0" err="1">
+              <a:rPr lang="en-US" altLang="en-US" sz="5000" dirty="0" err="1">
                 <a:solidFill>
                   <a:schemeClr val="bg1"/>
                 </a:solidFill>
@@ -3440,7 +3453,7 @@
               </a:rPr>
               <a:t>Zimmerer</a:t>
             </a:r>
-            <a:endParaRPr lang="en-US" altLang="en-US" sz="4000" baseline="30000" dirty="0">
+            <a:endParaRPr lang="en-US" altLang="en-US" sz="5000" baseline="30000" dirty="0">
               <a:solidFill>
                 <a:schemeClr val="bg1"/>
               </a:solidFill>
@@ -3464,8 +3477,8 @@
         </p:nvSpPr>
         <p:spPr>
           <a:xfrm flipH="1">
-            <a:off x="4780318" y="3431889"/>
-            <a:ext cx="27015364" cy="553998"/>
+            <a:off x="5975398" y="4529469"/>
+            <a:ext cx="33769205" cy="669414"/>
           </a:xfrm>
           <a:prstGeom prst="rect">
             <a:avLst/>
@@ -3478,114 +3491,21 @@
           </a:bodyPr>
           <a:lstStyle/>
           <a:p>
-            <a:pPr algn="ctr" defTabSz="2560320" eaLnBrk="1" fontAlgn="auto" hangingPunct="1">
-              <a:spcBef>
-                <a:spcPts val="0"/>
-              </a:spcBef>
-              <a:spcAft>
-                <a:spcPts val="0"/>
-              </a:spcAft>
+            <a:pPr algn="ctr" defTabSz="3200400">
               <a:defRPr/>
             </a:pPr>
             <a:r>
-              <a:rPr lang="en-US" sz="3000" dirty="0">
+              <a:rPr lang="en-US" sz="3750" dirty="0">
                 <a:solidFill>
                   <a:schemeClr val="bg1"/>
                 </a:solidFill>
                 <a:cs typeface="Arial"/>
               </a:rPr>
-              <a:t>Carnegie Mellon University: </a:t>
-            </a:r>
-            <a:r>
-              <a:rPr lang="en-US" sz="3000" dirty="0">
-                <a:solidFill>
-                  <a:schemeClr val="bg1"/>
-                </a:solidFill>
-                <a:ea typeface="+mn-ea"/>
-                <a:cs typeface="Arial"/>
-              </a:rPr>
-              <a:t>1) Mechanical Engineering, </a:t>
-            </a:r>
-            <a:r>
-              <a:rPr lang="en-US" sz="3000" dirty="0">
-                <a:solidFill>
-                  <a:schemeClr val="bg1"/>
-                </a:solidFill>
-                <a:cs typeface="Arial"/>
-              </a:rPr>
-              <a:t>2) Robotics Institute</a:t>
-            </a:r>
-            <a:endParaRPr lang="en-US" sz="3000" dirty="0">
-              <a:solidFill>
-                <a:schemeClr val="bg1"/>
-              </a:solidFill>
-              <a:ea typeface="+mn-ea"/>
-              <a:cs typeface="Arial"/>
-            </a:endParaRPr>
-          </a:p>
-        </p:txBody>
-      </p:sp>
-      <p:pic>
-        <p:nvPicPr>
-          <p:cNvPr id="49" name="Picture 48" descr="Text&#10;&#10;Description automatically generated">
-            <a:extLst>
-              <a:ext uri="{FF2B5EF4-FFF2-40B4-BE49-F238E27FC236}">
-                <a16:creationId xmlns:a16="http://schemas.microsoft.com/office/drawing/2014/main" id="{C9DAA38A-D16E-61FF-2602-40CFD491A947}"/>
-              </a:ext>
-            </a:extLst>
-          </p:cNvPr>
-          <p:cNvPicPr>
-            <a:picLocks noChangeAspect="1"/>
-          </p:cNvPicPr>
-          <p:nvPr/>
-        </p:nvPicPr>
-        <p:blipFill>
-          <a:blip r:embed="rId5"/>
-          <a:stretch>
-            <a:fillRect/>
-          </a:stretch>
-        </p:blipFill>
-        <p:spPr>
-          <a:xfrm>
-            <a:off x="524458" y="1865803"/>
-            <a:ext cx="5642481" cy="902797"/>
-          </a:xfrm>
-          <a:prstGeom prst="rect">
-            <a:avLst/>
-          </a:prstGeom>
-        </p:spPr>
-      </p:pic>
-      <p:pic>
-        <p:nvPicPr>
-          <p:cNvPr id="50" name="Picture 49">
-            <a:extLst>
-              <a:ext uri="{FF2B5EF4-FFF2-40B4-BE49-F238E27FC236}">
-                <a16:creationId xmlns:a16="http://schemas.microsoft.com/office/drawing/2014/main" id="{060056DD-3412-956B-DE1A-A79F588B5278}"/>
-              </a:ext>
-            </a:extLst>
-          </p:cNvPr>
-          <p:cNvPicPr>
-            <a:picLocks noChangeAspect="1"/>
-          </p:cNvPicPr>
-          <p:nvPr/>
-        </p:nvPicPr>
-        <p:blipFill rotWithShape="1">
-          <a:blip r:embed="rId6">
-            <a:lum bright="70000" contrast="-70000"/>
-          </a:blip>
-          <a:srcRect b="30857"/>
-          <a:stretch/>
-        </p:blipFill>
-        <p:spPr>
-          <a:xfrm>
-            <a:off x="28994853" y="1678404"/>
-            <a:ext cx="7170989" cy="1174555"/>
-          </a:xfrm>
-          <a:prstGeom prst="rect">
-            <a:avLst/>
-          </a:prstGeom>
-        </p:spPr>
-      </p:pic>
+              <a:t>Carnegie Mellon University: 1) Mechanical Engineering, 2) Robotics Institute</a:t>
+            </a:r>
+          </a:p>
+        </p:txBody>
+      </p:sp>
       <p:sp>
         <p:nvSpPr>
           <p:cNvPr id="51" name="TextBox 6">
@@ -3602,8 +3522,8 @@
         </p:nvSpPr>
         <p:spPr bwMode="auto">
           <a:xfrm flipH="1">
-            <a:off x="31849860" y="3149313"/>
-            <a:ext cx="4042227" cy="954107"/>
+            <a:off x="39812326" y="4176249"/>
+            <a:ext cx="5052784" cy="1169551"/>
           </a:xfrm>
           <a:prstGeom prst="rect">
             <a:avLst/>
@@ -3746,7 +3666,7 @@
           <a:p>
             <a:pPr algn="ctr"/>
             <a:r>
-              <a:rPr lang="en-US" altLang="en-US" sz="2800" dirty="0">
+              <a:rPr lang="en-US" altLang="en-US" sz="3500" dirty="0">
                 <a:solidFill>
                   <a:schemeClr val="bg1"/>
                 </a:solidFill>
@@ -3755,7 +3675,7 @@
               </a:rPr>
               <a:t>Biohybrid and Organic Robotics Group</a:t>
             </a:r>
-            <a:endParaRPr lang="en-US" altLang="en-US" sz="2800" baseline="30000" dirty="0">
+            <a:endParaRPr lang="en-US" altLang="en-US" sz="3500" baseline="30000" dirty="0">
               <a:solidFill>
                 <a:schemeClr val="bg1"/>
               </a:solidFill>
@@ -3779,8 +3699,8 @@
         </p:nvSpPr>
         <p:spPr>
           <a:xfrm>
-            <a:off x="457201" y="5040598"/>
-            <a:ext cx="11658600" cy="585216"/>
+            <a:off x="571501" y="7215148"/>
+            <a:ext cx="14573250" cy="731520"/>
           </a:xfrm>
           <a:prstGeom prst="rect">
             <a:avLst/>
@@ -3816,7 +3736,7 @@
           <a:p>
             <a:pPr algn="ctr"/>
             <a:r>
-              <a:rPr lang="en-US" sz="4554" dirty="0">
+              <a:rPr lang="en-US" sz="5693" dirty="0">
                 <a:latin typeface="Open Sans" panose="020B0606030504020204" pitchFamily="34" charset="0"/>
                 <a:ea typeface="Open Sans" panose="020B0606030504020204" pitchFamily="34" charset="0"/>
                 <a:cs typeface="Open Sans" panose="020B0606030504020204" pitchFamily="34" charset="0"/>
@@ -3840,8 +3760,8 @@
         </p:nvSpPr>
         <p:spPr>
           <a:xfrm>
-            <a:off x="457199" y="14630400"/>
-            <a:ext cx="11658599" cy="583482"/>
+            <a:off x="571499" y="19202400"/>
+            <a:ext cx="14573249" cy="729353"/>
           </a:xfrm>
           <a:prstGeom prst="rect">
             <a:avLst/>
@@ -3877,7 +3797,7 @@
           <a:p>
             <a:pPr algn="ctr"/>
             <a:r>
-              <a:rPr lang="en-US" sz="4554" dirty="0">
+              <a:rPr lang="en-US" sz="5693" dirty="0">
                 <a:latin typeface="Open Sans" panose="020B0606030504020204" pitchFamily="34" charset="0"/>
                 <a:ea typeface="Open Sans" panose="020B0606030504020204" pitchFamily="34" charset="0"/>
                 <a:cs typeface="Open Sans" panose="020B0606030504020204" pitchFamily="34" charset="0"/>
@@ -3901,8 +3821,8 @@
         </p:nvSpPr>
         <p:spPr>
           <a:xfrm>
-            <a:off x="12573001" y="5050299"/>
-            <a:ext cx="11429999" cy="583482"/>
+            <a:off x="15716252" y="7227274"/>
+            <a:ext cx="14287499" cy="729353"/>
           </a:xfrm>
           <a:prstGeom prst="rect">
             <a:avLst/>
@@ -3938,7 +3858,7 @@
           <a:p>
             <a:pPr algn="ctr"/>
             <a:r>
-              <a:rPr lang="en-US" sz="4554" dirty="0">
+              <a:rPr lang="en-US" sz="5693" dirty="0">
                 <a:latin typeface="Open Sans" panose="020B0606030504020204" pitchFamily="34" charset="0"/>
                 <a:ea typeface="Open Sans" panose="020B0606030504020204" pitchFamily="34" charset="0"/>
                 <a:cs typeface="Open Sans" panose="020B0606030504020204" pitchFamily="34" charset="0"/>
@@ -3962,8 +3882,8 @@
         </p:nvSpPr>
         <p:spPr>
           <a:xfrm>
-            <a:off x="12573001" y="18239768"/>
-            <a:ext cx="11429999" cy="583482"/>
+            <a:off x="15716252" y="23714110"/>
+            <a:ext cx="14287499" cy="729353"/>
           </a:xfrm>
           <a:prstGeom prst="rect">
             <a:avLst/>
@@ -3999,7 +3919,7 @@
           <a:p>
             <a:pPr algn="ctr"/>
             <a:r>
-              <a:rPr lang="en-US" sz="4554" dirty="0">
+              <a:rPr lang="en-US" sz="5693" dirty="0">
                 <a:latin typeface="Open Sans" panose="020B0606030504020204" pitchFamily="34" charset="0"/>
                 <a:ea typeface="Open Sans" panose="020B0606030504020204" pitchFamily="34" charset="0"/>
                 <a:cs typeface="Open Sans" panose="020B0606030504020204" pitchFamily="34" charset="0"/>
@@ -4023,8 +3943,8 @@
         </p:nvSpPr>
         <p:spPr>
           <a:xfrm>
-            <a:off x="24460200" y="5039959"/>
-            <a:ext cx="11658599" cy="583482"/>
+            <a:off x="30575251" y="7214349"/>
+            <a:ext cx="14573249" cy="729353"/>
           </a:xfrm>
           <a:prstGeom prst="rect">
             <a:avLst/>
@@ -4060,7 +3980,7 @@
           <a:p>
             <a:pPr algn="ctr"/>
             <a:r>
-              <a:rPr lang="en-US" sz="4554" dirty="0">
+              <a:rPr lang="en-US" sz="5693" dirty="0">
                 <a:latin typeface="Open Sans" panose="020B0606030504020204" pitchFamily="34" charset="0"/>
                 <a:ea typeface="Open Sans" panose="020B0606030504020204" pitchFamily="34" charset="0"/>
                 <a:cs typeface="Open Sans" panose="020B0606030504020204" pitchFamily="34" charset="0"/>
@@ -4084,8 +4004,8 @@
         </p:nvSpPr>
         <p:spPr>
           <a:xfrm>
-            <a:off x="24481437" y="16855033"/>
-            <a:ext cx="11658599" cy="583482"/>
+            <a:off x="30601797" y="21983191"/>
+            <a:ext cx="14573249" cy="729353"/>
           </a:xfrm>
           <a:prstGeom prst="rect">
             <a:avLst/>
@@ -4121,7 +4041,7 @@
           <a:p>
             <a:pPr algn="ctr"/>
             <a:r>
-              <a:rPr lang="en-US" sz="4554" dirty="0">
+              <a:rPr lang="en-US" sz="5693" dirty="0">
                 <a:latin typeface="Open Sans" panose="020B0606030504020204" pitchFamily="34" charset="0"/>
                 <a:ea typeface="Open Sans" panose="020B0606030504020204" pitchFamily="34" charset="0"/>
                 <a:cs typeface="Open Sans" panose="020B0606030504020204" pitchFamily="34" charset="0"/>
@@ -4145,8 +4065,8 @@
         </p:nvSpPr>
         <p:spPr>
           <a:xfrm>
-            <a:off x="0" y="6049984"/>
-            <a:ext cx="12115800" cy="2554545"/>
+            <a:off x="0" y="8476880"/>
+            <a:ext cx="15144750" cy="3785652"/>
           </a:xfrm>
           <a:prstGeom prst="rect">
             <a:avLst/>
@@ -4159,34 +4079,16 @@
           </a:bodyPr>
           <a:lstStyle/>
           <a:p>
-            <a:pPr marL="997210" marR="0" lvl="0" indent="-571500" algn="l" defTabSz="457200" rtl="0" eaLnBrk="1" fontAlgn="auto" latinLnBrk="0" hangingPunct="1">
-              <a:lnSpc>
-                <a:spcPct val="100000"/>
-              </a:lnSpc>
-              <a:spcBef>
-                <a:spcPts val="0"/>
-              </a:spcBef>
-              <a:spcAft>
-                <a:spcPts val="0"/>
-              </a:spcAft>
-              <a:buClrTx/>
-              <a:buSzTx/>
+            <a:pPr marL="1246513" indent="-714375" defTabSz="571500">
               <a:buFont typeface="Arial" panose="020B0604020202020204" pitchFamily="34" charset="0"/>
               <a:buChar char="•"/>
-              <a:tabLst/>
               <a:defRPr/>
             </a:pPr>
             <a:r>
-              <a:rPr kumimoji="0" lang="en-US" sz="3200" b="1" i="0" u="none" strike="noStrike" kern="1200" cap="none" spc="0" normalizeH="0" baseline="0" noProof="0" dirty="0">
-                <a:ln>
-                  <a:noFill/>
-                </a:ln>
+              <a:rPr lang="en-US" sz="4000" b="1" dirty="0">
                 <a:solidFill>
                   <a:prstClr val="black"/>
                 </a:solidFill>
-                <a:effectLst/>
-                <a:uLnTx/>
-                <a:uFillTx/>
                 <a:latin typeface="Open Sans Light" panose="020B0306030504020204" pitchFamily="34" charset="0"/>
                 <a:ea typeface="Open Sans Light" panose="020B0306030504020204" pitchFamily="34" charset="0"/>
                 <a:cs typeface="Open Sans Light" panose="020B0306030504020204" pitchFamily="34" charset="0"/>
@@ -4195,34 +4097,16 @@
             </a:r>
           </a:p>
           <a:p>
-            <a:pPr marL="997210" marR="0" lvl="0" indent="-571500" algn="l" defTabSz="457200" rtl="0" eaLnBrk="1" fontAlgn="auto" latinLnBrk="0" hangingPunct="1">
-              <a:lnSpc>
-                <a:spcPct val="100000"/>
-              </a:lnSpc>
-              <a:spcBef>
-                <a:spcPts val="0"/>
-              </a:spcBef>
-              <a:spcAft>
-                <a:spcPts val="0"/>
-              </a:spcAft>
-              <a:buClrTx/>
-              <a:buSzTx/>
+            <a:pPr marL="1246513" indent="-714375" defTabSz="571500">
               <a:buFont typeface="Arial" panose="020B0604020202020204" pitchFamily="34" charset="0"/>
               <a:buChar char="•"/>
-              <a:tabLst/>
               <a:defRPr/>
             </a:pPr>
             <a:r>
-              <a:rPr kumimoji="0" lang="en-US" sz="3200" b="1" i="1" u="none" strike="noStrike" kern="1200" cap="none" spc="0" normalizeH="0" baseline="0" noProof="0" dirty="0">
-                <a:ln>
-                  <a:noFill/>
-                </a:ln>
+              <a:rPr lang="en-US" sz="4000" b="1" i="1" dirty="0">
                 <a:solidFill>
                   <a:prstClr val="black"/>
                 </a:solidFill>
-                <a:effectLst/>
-                <a:uLnTx/>
-                <a:uFillTx/>
                 <a:latin typeface="Open Sans Light" panose="020B0306030504020204" pitchFamily="34" charset="0"/>
                 <a:ea typeface="Open Sans Light" panose="020B0306030504020204" pitchFamily="34" charset="0"/>
                 <a:cs typeface="Open Sans Light" panose="020B0306030504020204" pitchFamily="34" charset="0"/>
@@ -4230,16 +4114,10 @@
               <a:t>Aplysia californica</a:t>
             </a:r>
             <a:r>
-              <a:rPr kumimoji="0" lang="en-US" sz="3200" b="1" i="0" u="none" strike="noStrike" kern="1200" cap="none" spc="0" normalizeH="0" baseline="0" noProof="0" dirty="0">
-                <a:ln>
-                  <a:noFill/>
-                </a:ln>
+              <a:rPr lang="en-US" sz="4000" b="1" dirty="0">
                 <a:solidFill>
                   <a:prstClr val="black"/>
                 </a:solidFill>
-                <a:effectLst/>
-                <a:uLnTx/>
-                <a:uFillTx/>
                 <a:latin typeface="Open Sans Light" panose="020B0306030504020204" pitchFamily="34" charset="0"/>
                 <a:ea typeface="Open Sans Light" panose="020B0306030504020204" pitchFamily="34" charset="0"/>
                 <a:cs typeface="Open Sans Light" panose="020B0306030504020204" pitchFamily="34" charset="0"/>
@@ -4263,8 +4141,8 @@
         </p:nvSpPr>
         <p:spPr>
           <a:xfrm>
-            <a:off x="524458" y="12770694"/>
-            <a:ext cx="11591342" cy="492443"/>
+            <a:off x="655572" y="16877768"/>
+            <a:ext cx="14489178" cy="615553"/>
           </a:xfrm>
           <a:prstGeom prst="rect">
             <a:avLst/>
@@ -4279,7 +4157,7 @@
           <a:p>
             <a:pPr algn="just"/>
             <a:r>
-              <a:rPr lang="en-US" sz="3200" b="1" dirty="0">
+              <a:rPr lang="en-US" sz="4000" b="1" dirty="0">
                 <a:latin typeface="Open Sans Light" panose="020B0306030504020204" pitchFamily="34" charset="0"/>
                 <a:ea typeface="Open Sans Light" panose="020B0306030504020204" pitchFamily="34" charset="0"/>
                 <a:cs typeface="Open Sans Light" panose="020B0306030504020204" pitchFamily="34" charset="0"/>
@@ -4303,8 +4181,8 @@
         </p:nvSpPr>
         <p:spPr>
           <a:xfrm>
-            <a:off x="457199" y="21849135"/>
-            <a:ext cx="11591342" cy="492443"/>
+            <a:off x="571499" y="28225819"/>
+            <a:ext cx="14489178" cy="615553"/>
           </a:xfrm>
           <a:prstGeom prst="rect">
             <a:avLst/>
@@ -4319,7 +4197,7 @@
           <a:p>
             <a:pPr algn="just"/>
             <a:r>
-              <a:rPr lang="en-US" sz="3200" b="1" dirty="0">
+              <a:rPr lang="en-US" sz="4000" b="1" dirty="0">
                 <a:latin typeface="Open Sans Light" panose="020B0306030504020204" pitchFamily="34" charset="0"/>
                 <a:ea typeface="Open Sans Light" panose="020B0306030504020204" pitchFamily="34" charset="0"/>
                 <a:cs typeface="Open Sans Light" panose="020B0306030504020204" pitchFamily="34" charset="0"/>
@@ -4343,8 +4221,8 @@
         </p:nvSpPr>
         <p:spPr>
           <a:xfrm>
-            <a:off x="12573000" y="12131493"/>
-            <a:ext cx="11430000" cy="984885"/>
+            <a:off x="15716250" y="16078766"/>
+            <a:ext cx="14287500" cy="1231106"/>
           </a:xfrm>
           <a:prstGeom prst="rect">
             <a:avLst/>
@@ -4359,7 +4237,7 @@
           <a:p>
             <a:pPr algn="just"/>
             <a:r>
-              <a:rPr lang="en-US" sz="3200" b="1" dirty="0">
+              <a:rPr lang="en-US" sz="4000" b="1" dirty="0">
                 <a:latin typeface="Open Sans Light" panose="020B0306030504020204" pitchFamily="34" charset="0"/>
                 <a:ea typeface="Open Sans Light" panose="020B0306030504020204" pitchFamily="34" charset="0"/>
                 <a:cs typeface="Open Sans Light" panose="020B0306030504020204" pitchFamily="34" charset="0"/>
@@ -4367,7 +4245,7 @@
               <a:t>Fig. 4: (a) Eigenvalue plot (Re vs Imaginary of eigenvalues), (b) Quasistatic fit</a:t>
             </a:r>
             <a:r>
-              <a:rPr lang="en-US" sz="3200" dirty="0">
+              <a:rPr lang="en-US" sz="4000" dirty="0">
                 <a:latin typeface="Open Sans Light" panose="020B0306030504020204" pitchFamily="34" charset="0"/>
                 <a:ea typeface="Open Sans Light" panose="020B0306030504020204" pitchFamily="34" charset="0"/>
                 <a:cs typeface="Open Sans Light" panose="020B0306030504020204" pitchFamily="34" charset="0"/>
@@ -4375,7 +4253,7 @@
               <a:t> </a:t>
             </a:r>
             <a:r>
-              <a:rPr lang="en-US" sz="3200" b="1" dirty="0">
+              <a:rPr lang="en-US" sz="4000" b="1" dirty="0">
                 <a:latin typeface="Open Sans Light" panose="020B0306030504020204" pitchFamily="34" charset="0"/>
                 <a:ea typeface="Open Sans Light" panose="020B0306030504020204" pitchFamily="34" charset="0"/>
                 <a:cs typeface="Open Sans Light" panose="020B0306030504020204" pitchFamily="34" charset="0"/>
@@ -4399,8 +4277,8 @@
         </p:nvSpPr>
         <p:spPr>
           <a:xfrm>
-            <a:off x="12595692" y="25122883"/>
-            <a:ext cx="11430000" cy="492443"/>
+            <a:off x="15744615" y="32318004"/>
+            <a:ext cx="14287500" cy="615553"/>
           </a:xfrm>
           <a:prstGeom prst="rect">
             <a:avLst/>
@@ -4415,7 +4293,7 @@
           <a:p>
             <a:pPr algn="just"/>
             <a:r>
-              <a:rPr lang="en-US" sz="3200" b="1" dirty="0">
+              <a:rPr lang="en-US" sz="4000" b="1" dirty="0">
                 <a:latin typeface="Open Sans Light" panose="020B0306030504020204" pitchFamily="34" charset="0"/>
                 <a:ea typeface="Open Sans Light" panose="020B0306030504020204" pitchFamily="34" charset="0"/>
                 <a:cs typeface="Open Sans Light" panose="020B0306030504020204" pitchFamily="34" charset="0"/>
@@ -4439,8 +4317,8 @@
         </p:nvSpPr>
         <p:spPr>
           <a:xfrm>
-            <a:off x="24688798" y="11913324"/>
-            <a:ext cx="11430000" cy="984885"/>
+            <a:off x="30860998" y="15806055"/>
+            <a:ext cx="14287500" cy="1231106"/>
           </a:xfrm>
           <a:prstGeom prst="rect">
             <a:avLst/>
@@ -4455,7 +4333,7 @@
           <a:p>
             <a:pPr algn="just"/>
             <a:r>
-              <a:rPr lang="en-US" sz="3200" b="1" dirty="0">
+              <a:rPr lang="en-US" sz="4000" b="1" dirty="0">
                 <a:latin typeface="Open Sans Light" panose="020B0306030504020204" pitchFamily="34" charset="0"/>
                 <a:ea typeface="Open Sans Light" panose="020B0306030504020204" pitchFamily="34" charset="0"/>
                 <a:cs typeface="Open Sans Light" panose="020B0306030504020204" pitchFamily="34" charset="0"/>
@@ -4479,8 +4357,8 @@
         </p:nvSpPr>
         <p:spPr>
           <a:xfrm>
-            <a:off x="24460199" y="18892941"/>
-            <a:ext cx="11658599" cy="583482"/>
+            <a:off x="30575249" y="24530576"/>
+            <a:ext cx="14573249" cy="729353"/>
           </a:xfrm>
           <a:prstGeom prst="rect">
             <a:avLst/>
@@ -4516,7 +4394,7 @@
           <a:p>
             <a:pPr algn="ctr"/>
             <a:r>
-              <a:rPr lang="en-US" sz="4554" dirty="0">
+              <a:rPr lang="en-US" sz="5693" dirty="0">
                 <a:latin typeface="Open Sans" panose="020B0606030504020204" pitchFamily="34" charset="0"/>
                 <a:ea typeface="Open Sans" panose="020B0606030504020204" pitchFamily="34" charset="0"/>
                 <a:cs typeface="Open Sans" panose="020B0606030504020204" pitchFamily="34" charset="0"/>
@@ -4540,8 +4418,8 @@
         </p:nvSpPr>
         <p:spPr>
           <a:xfrm>
-            <a:off x="29096444" y="23980426"/>
-            <a:ext cx="7022354" cy="492443"/>
+            <a:off x="36370555" y="30889933"/>
+            <a:ext cx="8777943" cy="615553"/>
           </a:xfrm>
           <a:prstGeom prst="rect">
             <a:avLst/>
@@ -4556,7 +4434,7 @@
           <a:p>
             <a:pPr algn="just"/>
             <a:r>
-              <a:rPr lang="en-US" sz="3200" b="1" dirty="0">
+              <a:rPr lang="en-US" sz="4000" b="1" dirty="0">
                 <a:latin typeface="Open Sans Light" panose="020B0306030504020204" pitchFamily="34" charset="0"/>
                 <a:ea typeface="Open Sans Light" panose="020B0306030504020204" pitchFamily="34" charset="0"/>
                 <a:cs typeface="Open Sans Light" panose="020B0306030504020204" pitchFamily="34" charset="0"/>
@@ -4580,8 +4458,8 @@
         </p:nvSpPr>
         <p:spPr>
           <a:xfrm>
-            <a:off x="12595692" y="5790971"/>
-            <a:ext cx="11429999" cy="5951085"/>
+            <a:off x="15744616" y="8153115"/>
+            <a:ext cx="14287499" cy="7438856"/>
           </a:xfrm>
           <a:prstGeom prst="rect">
             <a:avLst/>
@@ -4608,7 +4486,7 @@
           <a:lstStyle/>
           <a:p>
             <a:pPr algn="ctr"/>
-            <a:endParaRPr lang="en-US"/>
+            <a:endParaRPr lang="en-US" sz="2875"/>
           </a:p>
         </p:txBody>
       </p:sp>
@@ -4626,8 +4504,8 @@
         </p:nvSpPr>
         <p:spPr>
           <a:xfrm>
-            <a:off x="457199" y="15555966"/>
-            <a:ext cx="11429999" cy="5951085"/>
+            <a:off x="571499" y="20359358"/>
+            <a:ext cx="14287499" cy="7438856"/>
           </a:xfrm>
           <a:prstGeom prst="rect">
             <a:avLst/>
@@ -4654,7 +4532,7 @@
           <a:lstStyle/>
           <a:p>
             <a:pPr algn="ctr"/>
-            <a:endParaRPr lang="en-US"/>
+            <a:endParaRPr lang="en-US" sz="2875"/>
           </a:p>
         </p:txBody>
       </p:sp>
@@ -4672,8 +4550,8 @@
         </p:nvSpPr>
         <p:spPr>
           <a:xfrm>
-            <a:off x="12595692" y="18923569"/>
-            <a:ext cx="11429999" cy="5951085"/>
+            <a:off x="15744616" y="24568862"/>
+            <a:ext cx="14287499" cy="7438856"/>
           </a:xfrm>
           <a:prstGeom prst="rect">
             <a:avLst/>
@@ -4700,7 +4578,7 @@
           <a:lstStyle/>
           <a:p>
             <a:pPr algn="ctr"/>
-            <a:endParaRPr lang="en-US"/>
+            <a:endParaRPr lang="en-US" sz="2875"/>
           </a:p>
         </p:txBody>
       </p:sp>
@@ -4718,8 +4596,8 @@
         </p:nvSpPr>
         <p:spPr>
           <a:xfrm>
-            <a:off x="12595692" y="13497220"/>
-            <a:ext cx="11429999" cy="1767966"/>
+            <a:off x="15744616" y="17785925"/>
+            <a:ext cx="14287499" cy="2209958"/>
           </a:xfrm>
           <a:prstGeom prst="rect">
             <a:avLst/>
@@ -4746,7 +4624,7 @@
           <a:lstStyle/>
           <a:p>
             <a:pPr algn="ctr"/>
-            <a:endParaRPr lang="en-US"/>
+            <a:endParaRPr lang="en-US" sz="2875"/>
           </a:p>
         </p:txBody>
       </p:sp>
@@ -4764,8 +4642,8 @@
         </p:nvSpPr>
         <p:spPr>
           <a:xfrm>
-            <a:off x="12595691" y="15617050"/>
-            <a:ext cx="11430000" cy="984885"/>
+            <a:off x="15744614" y="20435712"/>
+            <a:ext cx="14287500" cy="1231106"/>
           </a:xfrm>
           <a:prstGeom prst="rect">
             <a:avLst/>
@@ -4780,7 +4658,7 @@
           <a:p>
             <a:pPr algn="just"/>
             <a:r>
-              <a:rPr lang="en-US" sz="3200" b="1" dirty="0">
+              <a:rPr lang="en-US" sz="4000" b="1" dirty="0">
                 <a:latin typeface="Open Sans Light" panose="020B0306030504020204" pitchFamily="34" charset="0"/>
                 <a:ea typeface="Open Sans Light" panose="020B0306030504020204" pitchFamily="34" charset="0"/>
                 <a:cs typeface="Open Sans Light" panose="020B0306030504020204" pitchFamily="34" charset="0"/>
@@ -4804,8 +4682,8 @@
         </p:nvSpPr>
         <p:spPr>
           <a:xfrm>
-            <a:off x="24595736" y="5781385"/>
-            <a:ext cx="11429999" cy="5951085"/>
+            <a:off x="30744671" y="8141132"/>
+            <a:ext cx="14287499" cy="7438856"/>
           </a:xfrm>
           <a:prstGeom prst="rect">
             <a:avLst/>
@@ -4832,7 +4710,7 @@
           <a:lstStyle/>
           <a:p>
             <a:pPr algn="ctr"/>
-            <a:endParaRPr lang="en-US"/>
+            <a:endParaRPr lang="en-US" sz="2875"/>
           </a:p>
         </p:txBody>
       </p:sp>

--- a/OCRL_Presentation.pptx
+++ b/OCRL_Presentation.pptx
@@ -327,7 +327,7 @@
           <a:p>
             <a:fld id="{163E7BB8-35E6-4599-BD59-179E19EE3B17}" type="datetimeFigureOut">
               <a:rPr lang="en-US" smtClean="0"/>
-              <a:t>4/20/24</a:t>
+              <a:t>4/21/2024</a:t>
             </a:fld>
             <a:endParaRPr lang="en-US"/>
           </a:p>
@@ -497,7 +497,7 @@
           <a:p>
             <a:fld id="{163E7BB8-35E6-4599-BD59-179E19EE3B17}" type="datetimeFigureOut">
               <a:rPr lang="en-US" smtClean="0"/>
-              <a:t>4/20/24</a:t>
+              <a:t>4/21/2024</a:t>
             </a:fld>
             <a:endParaRPr lang="en-US"/>
           </a:p>
@@ -677,7 +677,7 @@
           <a:p>
             <a:fld id="{163E7BB8-35E6-4599-BD59-179E19EE3B17}" type="datetimeFigureOut">
               <a:rPr lang="en-US" smtClean="0"/>
-              <a:t>4/20/24</a:t>
+              <a:t>4/21/2024</a:t>
             </a:fld>
             <a:endParaRPr lang="en-US"/>
           </a:p>
@@ -847,7 +847,7 @@
           <a:p>
             <a:fld id="{163E7BB8-35E6-4599-BD59-179E19EE3B17}" type="datetimeFigureOut">
               <a:rPr lang="en-US" smtClean="0"/>
-              <a:t>4/20/24</a:t>
+              <a:t>4/21/2024</a:t>
             </a:fld>
             <a:endParaRPr lang="en-US"/>
           </a:p>
@@ -1093,7 +1093,7 @@
           <a:p>
             <a:fld id="{163E7BB8-35E6-4599-BD59-179E19EE3B17}" type="datetimeFigureOut">
               <a:rPr lang="en-US" smtClean="0"/>
-              <a:t>4/20/24</a:t>
+              <a:t>4/21/2024</a:t>
             </a:fld>
             <a:endParaRPr lang="en-US"/>
           </a:p>
@@ -1325,7 +1325,7 @@
           <a:p>
             <a:fld id="{163E7BB8-35E6-4599-BD59-179E19EE3B17}" type="datetimeFigureOut">
               <a:rPr lang="en-US" smtClean="0"/>
-              <a:t>4/20/24</a:t>
+              <a:t>4/21/2024</a:t>
             </a:fld>
             <a:endParaRPr lang="en-US"/>
           </a:p>
@@ -1692,7 +1692,7 @@
           <a:p>
             <a:fld id="{163E7BB8-35E6-4599-BD59-179E19EE3B17}" type="datetimeFigureOut">
               <a:rPr lang="en-US" smtClean="0"/>
-              <a:t>4/20/24</a:t>
+              <a:t>4/21/2024</a:t>
             </a:fld>
             <a:endParaRPr lang="en-US"/>
           </a:p>
@@ -1810,7 +1810,7 @@
           <a:p>
             <a:fld id="{163E7BB8-35E6-4599-BD59-179E19EE3B17}" type="datetimeFigureOut">
               <a:rPr lang="en-US" smtClean="0"/>
-              <a:t>4/20/24</a:t>
+              <a:t>4/21/2024</a:t>
             </a:fld>
             <a:endParaRPr lang="en-US"/>
           </a:p>
@@ -1905,7 +1905,7 @@
           <a:p>
             <a:fld id="{163E7BB8-35E6-4599-BD59-179E19EE3B17}" type="datetimeFigureOut">
               <a:rPr lang="en-US" smtClean="0"/>
-              <a:t>4/20/24</a:t>
+              <a:t>4/21/2024</a:t>
             </a:fld>
             <a:endParaRPr lang="en-US"/>
           </a:p>
@@ -2182,7 +2182,7 @@
           <a:p>
             <a:fld id="{163E7BB8-35E6-4599-BD59-179E19EE3B17}" type="datetimeFigureOut">
               <a:rPr lang="en-US" smtClean="0"/>
-              <a:t>4/20/24</a:t>
+              <a:t>4/21/2024</a:t>
             </a:fld>
             <a:endParaRPr lang="en-US"/>
           </a:p>
@@ -2439,7 +2439,7 @@
           <a:p>
             <a:fld id="{163E7BB8-35E6-4599-BD59-179E19EE3B17}" type="datetimeFigureOut">
               <a:rPr lang="en-US" smtClean="0"/>
-              <a:t>4/20/24</a:t>
+              <a:t>4/21/2024</a:t>
             </a:fld>
             <a:endParaRPr lang="en-US"/>
           </a:p>
@@ -2652,7 +2652,7 @@
           <a:p>
             <a:fld id="{163E7BB8-35E6-4599-BD59-179E19EE3B17}" type="datetimeFigureOut">
               <a:rPr lang="en-US" smtClean="0"/>
-              <a:t>4/20/24</a:t>
+              <a:t>4/21/2024</a:t>
             </a:fld>
             <a:endParaRPr lang="en-US"/>
           </a:p>
@@ -3404,6 +3404,36 @@
           <a:p>
             <a:pPr algn="ctr"/>
             <a:r>
+              <a:rPr lang="en-US" altLang="en-US" sz="5000" dirty="0">
+                <a:solidFill>
+                  <a:schemeClr val="bg1"/>
+                </a:solidFill>
+                <a:latin typeface="+mn-lt"/>
+                <a:cs typeface="Arial" panose="020B0604020202020204" pitchFamily="34" charset="0"/>
+              </a:rPr>
+              <a:t>Ravesh Sukhnandan</a:t>
+            </a:r>
+            <a:r>
+              <a:rPr lang="en-US" altLang="en-US" sz="5000" baseline="30000" dirty="0">
+                <a:solidFill>
+                  <a:schemeClr val="bg1"/>
+                </a:solidFill>
+                <a:latin typeface="+mn-lt"/>
+                <a:cs typeface="Arial" panose="020B0604020202020204" pitchFamily="34" charset="0"/>
+              </a:rPr>
+              <a:t>1</a:t>
+            </a:r>
+            <a:r>
+              <a:rPr lang="en-US" altLang="en-US" sz="5000" dirty="0">
+                <a:solidFill>
+                  <a:schemeClr val="bg1"/>
+                </a:solidFill>
+                <a:latin typeface="+mn-lt"/>
+                <a:cs typeface="Arial" panose="020B0604020202020204" pitchFamily="34" charset="0"/>
+              </a:rPr>
+              <a:t>, </a:t>
+            </a:r>
+            <a:r>
               <a:rPr lang="en-US" altLang="en-US" sz="5000" dirty="0" err="1">
                 <a:solidFill>
                   <a:schemeClr val="bg1"/>
@@ -3421,17 +3451,17 @@
                 <a:latin typeface="+mn-lt"/>
                 <a:cs typeface="Arial" panose="020B0604020202020204" pitchFamily="34" charset="0"/>
               </a:rPr>
-              <a:t> </a:t>
-            </a:r>
-            <a:r>
-              <a:rPr lang="en-US" altLang="en-US" sz="5000" dirty="0" err="1">
+              <a:t> Thirupathi</a:t>
+            </a:r>
+            <a:r>
+              <a:rPr lang="en-US" altLang="en-US" sz="5000" baseline="30000" dirty="0">
                 <a:solidFill>
                   <a:schemeClr val="bg1"/>
                 </a:solidFill>
                 <a:latin typeface="+mn-lt"/>
                 <a:cs typeface="Arial" panose="020B0604020202020204" pitchFamily="34" charset="0"/>
               </a:rPr>
-              <a:t>Thirupathi</a:t>
+              <a:t>2</a:t>
             </a:r>
             <a:r>
               <a:rPr lang="en-US" altLang="en-US" sz="5000" dirty="0">
@@ -3441,25 +3471,38 @@
                 <a:latin typeface="+mn-lt"/>
                 <a:cs typeface="Arial" panose="020B0604020202020204" pitchFamily="34" charset="0"/>
               </a:rPr>
-              <a:t>, Helen Wang, Ravesh Sukhnandan, Nathan </a:t>
-            </a:r>
-            <a:r>
-              <a:rPr lang="en-US" altLang="en-US" sz="5000" dirty="0" err="1">
+              <a:t>, Helen Wang</a:t>
+            </a:r>
+            <a:r>
+              <a:rPr lang="en-US" altLang="en-US" sz="5000" baseline="30000" dirty="0">
                 <a:solidFill>
                   <a:schemeClr val="bg1"/>
                 </a:solidFill>
                 <a:latin typeface="+mn-lt"/>
                 <a:cs typeface="Arial" panose="020B0604020202020204" pitchFamily="34" charset="0"/>
               </a:rPr>
-              <a:t>Zimmerer</a:t>
-            </a:r>
-            <a:endParaRPr lang="en-US" altLang="en-US" sz="5000" baseline="30000" dirty="0">
-              <a:solidFill>
-                <a:schemeClr val="bg1"/>
-              </a:solidFill>
-              <a:latin typeface="+mn-lt"/>
-              <a:cs typeface="Arial" panose="020B0604020202020204" pitchFamily="34" charset="0"/>
-            </a:endParaRPr>
+              <a:t>1</a:t>
+            </a:r>
+            <a:r>
+              <a:rPr lang="en-US" altLang="en-US" sz="5000" dirty="0">
+                <a:solidFill>
+                  <a:schemeClr val="bg1"/>
+                </a:solidFill>
+                <a:latin typeface="+mn-lt"/>
+                <a:cs typeface="Arial" panose="020B0604020202020204" pitchFamily="34" charset="0"/>
+              </a:rPr>
+              <a:t>, Nathan Zimmerer</a:t>
+            </a:r>
+            <a:r>
+              <a:rPr lang="en-US" altLang="en-US" sz="5000" baseline="30000" dirty="0">
+                <a:solidFill>
+                  <a:schemeClr val="bg1"/>
+                </a:solidFill>
+                <a:latin typeface="+mn-lt"/>
+                <a:cs typeface="Arial" panose="020B0604020202020204" pitchFamily="34" charset="0"/>
+              </a:rPr>
+              <a:t>1</a:t>
+            </a:r>
           </a:p>
         </p:txBody>
       </p:sp>
@@ -4066,7 +4109,7 @@
         <p:spPr>
           <a:xfrm>
             <a:off x="0" y="8476880"/>
-            <a:ext cx="15144750" cy="3785652"/>
+            <a:ext cx="15144750" cy="707886"/>
           </a:xfrm>
           <a:prstGeom prst="rect">
             <a:avLst/>
@@ -4093,36 +4136,7 @@
                 <a:ea typeface="Open Sans Light" panose="020B0306030504020204" pitchFamily="34" charset="0"/>
                 <a:cs typeface="Open Sans Light" panose="020B0306030504020204" pitchFamily="34" charset="0"/>
               </a:rPr>
-              <a:t>Grasping and manipulating objects of various sizes, surface properties, and shapes remains challenging for robots. </a:t>
-            </a:r>
-          </a:p>
-          <a:p>
-            <a:pPr marL="1246513" indent="-714375" defTabSz="571500">
-              <a:buFont typeface="Arial" panose="020B0604020202020204" pitchFamily="34" charset="0"/>
-              <a:buChar char="•"/>
-              <a:defRPr/>
-            </a:pPr>
-            <a:r>
-              <a:rPr lang="en-US" sz="4000" b="1" i="1" dirty="0">
-                <a:solidFill>
-                  <a:prstClr val="black"/>
-                </a:solidFill>
-                <a:latin typeface="Open Sans Light" panose="020B0306030504020204" pitchFamily="34" charset="0"/>
-                <a:ea typeface="Open Sans Light" panose="020B0306030504020204" pitchFamily="34" charset="0"/>
-                <a:cs typeface="Open Sans Light" panose="020B0306030504020204" pitchFamily="34" charset="0"/>
-              </a:rPr>
-              <a:t>Aplysia californica</a:t>
-            </a:r>
-            <a:r>
-              <a:rPr lang="en-US" sz="4000" b="1" dirty="0">
-                <a:solidFill>
-                  <a:prstClr val="black"/>
-                </a:solidFill>
-                <a:latin typeface="Open Sans Light" panose="020B0306030504020204" pitchFamily="34" charset="0"/>
-                <a:ea typeface="Open Sans Light" panose="020B0306030504020204" pitchFamily="34" charset="0"/>
-                <a:cs typeface="Open Sans Light" panose="020B0306030504020204" pitchFamily="34" charset="0"/>
-              </a:rPr>
-              <a:t> serves as inspiration for both the grasper’s physical morphology as well as the hierarchical neural controller</a:t>
+              <a:t>G</a:t>
             </a:r>
           </a:p>
         </p:txBody>
@@ -4142,7 +4156,7 @@
         <p:spPr>
           <a:xfrm>
             <a:off x="655572" y="16877768"/>
-            <a:ext cx="14489178" cy="615553"/>
+            <a:ext cx="14489178" cy="1846659"/>
           </a:xfrm>
           <a:prstGeom prst="rect">
             <a:avLst/>
@@ -4162,7 +4176,7 @@
                 <a:ea typeface="Open Sans Light" panose="020B0306030504020204" pitchFamily="34" charset="0"/>
                 <a:cs typeface="Open Sans Light" panose="020B0306030504020204" pitchFamily="34" charset="0"/>
               </a:rPr>
-              <a:t>Fig. 1:</a:t>
+              <a:t>Fig. 1: Bio-inspired soft grasper with contact sensing via pneumatic jaws. The grasper decreases the enclosed area when moving from the rest state (A) to the actuated state (B).</a:t>
             </a:r>
           </a:p>
         </p:txBody>
@@ -4181,7 +4195,7 @@
         </p:nvSpPr>
         <p:spPr>
           <a:xfrm>
-            <a:off x="571499" y="28225819"/>
+            <a:off x="571499" y="37191976"/>
             <a:ext cx="14489178" cy="615553"/>
           </a:xfrm>
           <a:prstGeom prst="rect">
@@ -4504,7 +4518,7 @@
         </p:nvSpPr>
         <p:spPr>
           <a:xfrm>
-            <a:off x="571499" y="20359358"/>
+            <a:off x="571499" y="29325515"/>
             <a:ext cx="14287499" cy="7438856"/>
           </a:xfrm>
           <a:prstGeom prst="rect">
@@ -4596,7 +4610,7 @@
         </p:nvSpPr>
         <p:spPr>
           <a:xfrm>
-            <a:off x="15744616" y="17785925"/>
+            <a:off x="571499" y="25050605"/>
             <a:ext cx="14287499" cy="2209958"/>
           </a:xfrm>
           <a:prstGeom prst="rect">
@@ -4642,7 +4656,7 @@
         </p:nvSpPr>
         <p:spPr>
           <a:xfrm>
-            <a:off x="15744614" y="20435712"/>
+            <a:off x="571497" y="27700392"/>
             <a:ext cx="14287500" cy="1231106"/>
           </a:xfrm>
           <a:prstGeom prst="rect">
@@ -4714,6 +4728,290 @@
           </a:p>
         </p:txBody>
       </p:sp>
+      <p:grpSp>
+        <p:nvGrpSpPr>
+          <p:cNvPr id="16" name="Group 15">
+            <a:extLst>
+              <a:ext uri="{FF2B5EF4-FFF2-40B4-BE49-F238E27FC236}">
+                <a16:creationId xmlns:a16="http://schemas.microsoft.com/office/drawing/2014/main" id="{44E28135-AA5F-9FC1-DB98-762123A5D48D}"/>
+              </a:ext>
+            </a:extLst>
+          </p:cNvPr>
+          <p:cNvGrpSpPr/>
+          <p:nvPr/>
+        </p:nvGrpSpPr>
+        <p:grpSpPr>
+          <a:xfrm>
+            <a:off x="1077233" y="10869839"/>
+            <a:ext cx="12990284" cy="5824480"/>
+            <a:chOff x="571499" y="10869839"/>
+            <a:chExt cx="12990284" cy="5824480"/>
+          </a:xfrm>
+        </p:grpSpPr>
+        <p:pic>
+          <p:nvPicPr>
+            <p:cNvPr id="5" name="Content Placeholder 5" descr="A round object with wires&#10;&#10;Description automatically generated">
+              <a:extLst>
+                <a:ext uri="{FF2B5EF4-FFF2-40B4-BE49-F238E27FC236}">
+                  <a16:creationId xmlns:a16="http://schemas.microsoft.com/office/drawing/2014/main" id="{7369071B-9A8A-EF29-5A73-DC8CEDD6C367}"/>
+                </a:ext>
+              </a:extLst>
+            </p:cNvPr>
+            <p:cNvPicPr>
+              <a:picLocks noChangeAspect="1"/>
+            </p:cNvPicPr>
+            <p:nvPr/>
+          </p:nvPicPr>
+          <p:blipFill rotWithShape="1">
+            <a:blip r:embed="rId5">
+              <a:extLst>
+                <a:ext uri="{28A0092B-C50C-407E-A947-70E740481C1C}">
+                  <a14:useLocalDpi xmlns:a14="http://schemas.microsoft.com/office/drawing/2010/main" val="0"/>
+                </a:ext>
+              </a:extLst>
+            </a:blip>
+            <a:srcRect t="2360" b="1262"/>
+            <a:stretch/>
+          </p:blipFill>
+          <p:spPr>
+            <a:xfrm>
+              <a:off x="1086308" y="10964372"/>
+              <a:ext cx="5736487" cy="5729947"/>
+            </a:xfrm>
+            <a:prstGeom prst="rect">
+              <a:avLst/>
+            </a:prstGeom>
+          </p:spPr>
+        </p:pic>
+        <p:pic>
+          <p:nvPicPr>
+            <p:cNvPr id="9" name="Picture 8" descr="A round object with wires and wires&#10;&#10;Description automatically generated">
+              <a:extLst>
+                <a:ext uri="{FF2B5EF4-FFF2-40B4-BE49-F238E27FC236}">
+                  <a16:creationId xmlns:a16="http://schemas.microsoft.com/office/drawing/2014/main" id="{C73B9E05-E02A-F727-FA57-CF0C2CE3A18E}"/>
+                </a:ext>
+              </a:extLst>
+            </p:cNvPr>
+            <p:cNvPicPr>
+              <a:picLocks noChangeAspect="1"/>
+            </p:cNvPicPr>
+            <p:nvPr/>
+          </p:nvPicPr>
+          <p:blipFill>
+            <a:blip r:embed="rId6">
+              <a:extLst>
+                <a:ext uri="{28A0092B-C50C-407E-A947-70E740481C1C}">
+                  <a14:useLocalDpi xmlns:a14="http://schemas.microsoft.com/office/drawing/2010/main" val="0"/>
+                </a:ext>
+              </a:extLst>
+            </a:blip>
+            <a:stretch>
+              <a:fillRect/>
+            </a:stretch>
+          </p:blipFill>
+          <p:spPr>
+            <a:xfrm>
+              <a:off x="8078277" y="11167160"/>
+              <a:ext cx="5483506" cy="5324370"/>
+            </a:xfrm>
+            <a:prstGeom prst="rect">
+              <a:avLst/>
+            </a:prstGeom>
+          </p:spPr>
+        </p:pic>
+        <p:sp>
+          <p:nvSpPr>
+            <p:cNvPr id="11" name="TextBox 10">
+              <a:extLst>
+                <a:ext uri="{FF2B5EF4-FFF2-40B4-BE49-F238E27FC236}">
+                  <a16:creationId xmlns:a16="http://schemas.microsoft.com/office/drawing/2014/main" id="{07E01568-0E2E-62FC-5CA1-693FD89EA5F8}"/>
+                </a:ext>
+              </a:extLst>
+            </p:cNvPr>
+            <p:cNvSpPr txBox="1"/>
+            <p:nvPr/>
+          </p:nvSpPr>
+          <p:spPr>
+            <a:xfrm>
+              <a:off x="571499" y="10869839"/>
+              <a:ext cx="546858" cy="615553"/>
+            </a:xfrm>
+            <a:prstGeom prst="rect">
+              <a:avLst/>
+            </a:prstGeom>
+            <a:noFill/>
+          </p:spPr>
+          <p:txBody>
+            <a:bodyPr wrap="square" lIns="0" tIns="0" rIns="0" bIns="0" rtlCol="0">
+              <a:spAutoFit/>
+            </a:bodyPr>
+            <a:lstStyle/>
+            <a:p>
+              <a:pPr algn="just"/>
+              <a:r>
+                <a:rPr lang="en-US" sz="4000" b="1" dirty="0">
+                  <a:latin typeface="Open Sans Light" panose="020B0306030504020204" pitchFamily="34" charset="0"/>
+                  <a:ea typeface="Open Sans Light" panose="020B0306030504020204" pitchFamily="34" charset="0"/>
+                  <a:cs typeface="Open Sans Light" panose="020B0306030504020204" pitchFamily="34" charset="0"/>
+                </a:rPr>
+                <a:t>A</a:t>
+              </a:r>
+            </a:p>
+          </p:txBody>
+        </p:sp>
+        <p:sp>
+          <p:nvSpPr>
+            <p:cNvPr id="12" name="TextBox 11">
+              <a:extLst>
+                <a:ext uri="{FF2B5EF4-FFF2-40B4-BE49-F238E27FC236}">
+                  <a16:creationId xmlns:a16="http://schemas.microsoft.com/office/drawing/2014/main" id="{94C9E691-DB3F-840B-E17E-B7C69F64781A}"/>
+                </a:ext>
+              </a:extLst>
+            </p:cNvPr>
+            <p:cNvSpPr txBox="1"/>
+            <p:nvPr/>
+          </p:nvSpPr>
+          <p:spPr>
+            <a:xfrm>
+              <a:off x="7535351" y="10869839"/>
+              <a:ext cx="546858" cy="615553"/>
+            </a:xfrm>
+            <a:prstGeom prst="rect">
+              <a:avLst/>
+            </a:prstGeom>
+            <a:noFill/>
+          </p:spPr>
+          <p:txBody>
+            <a:bodyPr wrap="square" lIns="0" tIns="0" rIns="0" bIns="0" rtlCol="0">
+              <a:spAutoFit/>
+            </a:bodyPr>
+            <a:lstStyle/>
+            <a:p>
+              <a:pPr algn="just"/>
+              <a:r>
+                <a:rPr lang="en-US" sz="4000" b="1" dirty="0">
+                  <a:latin typeface="Open Sans Light" panose="020B0306030504020204" pitchFamily="34" charset="0"/>
+                  <a:ea typeface="Open Sans Light" panose="020B0306030504020204" pitchFamily="34" charset="0"/>
+                  <a:cs typeface="Open Sans Light" panose="020B0306030504020204" pitchFamily="34" charset="0"/>
+                </a:rPr>
+                <a:t>B</a:t>
+              </a:r>
+            </a:p>
+          </p:txBody>
+        </p:sp>
+        <p:sp>
+          <p:nvSpPr>
+            <p:cNvPr id="14" name="Oval 13">
+              <a:extLst>
+                <a:ext uri="{FF2B5EF4-FFF2-40B4-BE49-F238E27FC236}">
+                  <a16:creationId xmlns:a16="http://schemas.microsoft.com/office/drawing/2014/main" id="{C6734800-FF6C-FA43-D1BA-41122EE8AF3D}"/>
+                </a:ext>
+              </a:extLst>
+            </p:cNvPr>
+            <p:cNvSpPr/>
+            <p:nvPr/>
+          </p:nvSpPr>
+          <p:spPr>
+            <a:xfrm>
+              <a:off x="2878628" y="12874172"/>
+              <a:ext cx="1930400" cy="1930400"/>
+            </a:xfrm>
+            <a:prstGeom prst="ellipse">
+              <a:avLst/>
+            </a:prstGeom>
+            <a:noFill/>
+            <a:ln w="76200">
+              <a:solidFill>
+                <a:schemeClr val="accent6">
+                  <a:lumMod val="60000"/>
+                  <a:lumOff val="40000"/>
+                </a:schemeClr>
+              </a:solidFill>
+              <a:prstDash val="dash"/>
+            </a:ln>
+          </p:spPr>
+          <p:style>
+            <a:lnRef idx="2">
+              <a:schemeClr val="accent1">
+                <a:shade val="15000"/>
+              </a:schemeClr>
+            </a:lnRef>
+            <a:fillRef idx="1">
+              <a:schemeClr val="accent1"/>
+            </a:fillRef>
+            <a:effectRef idx="0">
+              <a:schemeClr val="accent1"/>
+            </a:effectRef>
+            <a:fontRef idx="minor">
+              <a:schemeClr val="lt1"/>
+            </a:fontRef>
+          </p:style>
+          <p:txBody>
+            <a:bodyPr rtlCol="0" anchor="ctr"/>
+            <a:lstStyle/>
+            <a:p>
+              <a:pPr algn="ctr"/>
+              <a:endParaRPr lang="en-US"/>
+            </a:p>
+          </p:txBody>
+        </p:sp>
+        <p:sp>
+          <p:nvSpPr>
+            <p:cNvPr id="15" name="Oval 14">
+              <a:extLst>
+                <a:ext uri="{FF2B5EF4-FFF2-40B4-BE49-F238E27FC236}">
+                  <a16:creationId xmlns:a16="http://schemas.microsoft.com/office/drawing/2014/main" id="{D1973FB4-8580-E324-AC3D-C3AE854C9EB8}"/>
+                </a:ext>
+              </a:extLst>
+            </p:cNvPr>
+            <p:cNvSpPr/>
+            <p:nvPr/>
+          </p:nvSpPr>
+          <p:spPr>
+            <a:xfrm>
+              <a:off x="10546893" y="13492949"/>
+              <a:ext cx="843769" cy="843769"/>
+            </a:xfrm>
+            <a:prstGeom prst="ellipse">
+              <a:avLst/>
+            </a:prstGeom>
+            <a:noFill/>
+            <a:ln w="47625">
+              <a:solidFill>
+                <a:schemeClr val="accent6">
+                  <a:lumMod val="60000"/>
+                  <a:lumOff val="40000"/>
+                </a:schemeClr>
+              </a:solidFill>
+              <a:prstDash val="dash"/>
+            </a:ln>
+          </p:spPr>
+          <p:style>
+            <a:lnRef idx="2">
+              <a:schemeClr val="accent1">
+                <a:shade val="15000"/>
+              </a:schemeClr>
+            </a:lnRef>
+            <a:fillRef idx="1">
+              <a:schemeClr val="accent1"/>
+            </a:fillRef>
+            <a:effectRef idx="0">
+              <a:schemeClr val="accent1"/>
+            </a:effectRef>
+            <a:fontRef idx="minor">
+              <a:schemeClr val="lt1"/>
+            </a:fontRef>
+          </p:style>
+          <p:txBody>
+            <a:bodyPr rtlCol="0" anchor="ctr"/>
+            <a:lstStyle/>
+            <a:p>
+              <a:pPr algn="ctr"/>
+              <a:endParaRPr lang="en-US"/>
+            </a:p>
+          </p:txBody>
+        </p:sp>
+      </p:grpSp>
     </p:spTree>
     <p:extLst>
       <p:ext uri="{BB962C8B-B14F-4D97-AF65-F5344CB8AC3E}">
